--- a/信息学奥赛/信息学奥赛CSP-JS数据结构与算法/10-队列和广度优先搜索/队列和广度优先搜索.pptx
+++ b/信息学奥赛/信息学奥赛CSP-JS数据结构与算法/10-队列和广度优先搜索/队列和广度优先搜索.pptx
@@ -252,7 +252,7 @@
           <a:p>
             <a:fld id="{CB9339E1-1933-4C59-AFE6-02F1337CBDA0}" type="datetimeFigureOut">
               <a:rPr lang="zh-CN" altLang="en-US" smtClean="0"/>
-              <a:t>2022/11/25</a:t>
+              <a:t>2023/2/18</a:t>
             </a:fld>
             <a:endParaRPr lang="zh-CN" altLang="en-US"/>
           </a:p>
@@ -680,7 +680,7 @@
           <a:p>
             <a:fld id="{CA25C14C-9F7E-4FA0-8E24-92D7A1B74D5E}" type="datetimeFigureOut">
               <a:rPr lang="zh-CN" altLang="en-US" smtClean="0"/>
-              <a:t>2022/11/25</a:t>
+              <a:t>2023/2/18</a:t>
             </a:fld>
             <a:endParaRPr lang="zh-CN" altLang="en-US"/>
           </a:p>
@@ -918,7 +918,7 @@
           <a:p>
             <a:fld id="{CA25C14C-9F7E-4FA0-8E24-92D7A1B74D5E}" type="datetimeFigureOut">
               <a:rPr lang="zh-CN" altLang="en-US" smtClean="0"/>
-              <a:t>2022/11/25</a:t>
+              <a:t>2023/2/18</a:t>
             </a:fld>
             <a:endParaRPr lang="zh-CN" altLang="en-US"/>
           </a:p>
@@ -1156,7 +1156,7 @@
           <a:p>
             <a:fld id="{CA25C14C-9F7E-4FA0-8E24-92D7A1B74D5E}" type="datetimeFigureOut">
               <a:rPr lang="zh-CN" altLang="en-US" smtClean="0"/>
-              <a:t>2022/11/25</a:t>
+              <a:t>2023/2/18</a:t>
             </a:fld>
             <a:endParaRPr lang="zh-CN" altLang="en-US"/>
           </a:p>
@@ -1394,7 +1394,7 @@
           <a:p>
             <a:fld id="{CA25C14C-9F7E-4FA0-8E24-92D7A1B74D5E}" type="datetimeFigureOut">
               <a:rPr lang="zh-CN" altLang="en-US" smtClean="0"/>
-              <a:t>2022/11/25</a:t>
+              <a:t>2023/2/18</a:t>
             </a:fld>
             <a:endParaRPr lang="zh-CN" altLang="en-US"/>
           </a:p>
@@ -1699,7 +1699,7 @@
           <a:p>
             <a:fld id="{CA25C14C-9F7E-4FA0-8E24-92D7A1B74D5E}" type="datetimeFigureOut">
               <a:rPr lang="zh-CN" altLang="en-US" smtClean="0"/>
-              <a:t>2022/11/25</a:t>
+              <a:t>2023/2/18</a:t>
             </a:fld>
             <a:endParaRPr lang="zh-CN" altLang="en-US"/>
           </a:p>
@@ -2002,7 +2002,7 @@
           <a:p>
             <a:fld id="{CA25C14C-9F7E-4FA0-8E24-92D7A1B74D5E}" type="datetimeFigureOut">
               <a:rPr lang="zh-CN" altLang="en-US" smtClean="0"/>
-              <a:t>2022/11/25</a:t>
+              <a:t>2023/2/18</a:t>
             </a:fld>
             <a:endParaRPr lang="zh-CN" altLang="en-US"/>
           </a:p>
@@ -2453,7 +2453,7 @@
           <a:p>
             <a:fld id="{CA25C14C-9F7E-4FA0-8E24-92D7A1B74D5E}" type="datetimeFigureOut">
               <a:rPr lang="zh-CN" altLang="en-US" smtClean="0"/>
-              <a:t>2022/11/25</a:t>
+              <a:t>2023/2/18</a:t>
             </a:fld>
             <a:endParaRPr lang="zh-CN" altLang="en-US"/>
           </a:p>
@@ -2626,7 +2626,7 @@
           <a:p>
             <a:fld id="{CA25C14C-9F7E-4FA0-8E24-92D7A1B74D5E}" type="datetimeFigureOut">
               <a:rPr lang="zh-CN" altLang="en-US" smtClean="0"/>
-              <a:t>2022/11/25</a:t>
+              <a:t>2023/2/18</a:t>
             </a:fld>
             <a:endParaRPr lang="zh-CN" altLang="en-US"/>
           </a:p>
@@ -2763,7 +2763,7 @@
           <a:p>
             <a:fld id="{CA25C14C-9F7E-4FA0-8E24-92D7A1B74D5E}" type="datetimeFigureOut">
               <a:rPr lang="zh-CN" altLang="en-US" smtClean="0"/>
-              <a:t>2022/11/25</a:t>
+              <a:t>2023/2/18</a:t>
             </a:fld>
             <a:endParaRPr lang="zh-CN" altLang="en-US"/>
           </a:p>
@@ -3107,7 +3107,7 @@
           <a:p>
             <a:fld id="{CA25C14C-9F7E-4FA0-8E24-92D7A1B74D5E}" type="datetimeFigureOut">
               <a:rPr lang="zh-CN" altLang="en-US" smtClean="0"/>
-              <a:t>2022/11/25</a:t>
+              <a:t>2023/2/18</a:t>
             </a:fld>
             <a:endParaRPr lang="zh-CN" altLang="en-US"/>
           </a:p>
@@ -3428,7 +3428,7 @@
           <a:p>
             <a:fld id="{CA25C14C-9F7E-4FA0-8E24-92D7A1B74D5E}" type="datetimeFigureOut">
               <a:rPr lang="zh-CN" altLang="en-US" smtClean="0"/>
-              <a:t>2022/11/25</a:t>
+              <a:t>2023/2/18</a:t>
             </a:fld>
             <a:endParaRPr lang="zh-CN" altLang="en-US"/>
           </a:p>
@@ -3613,7 +3613,7 @@
           </a:ln>
           <a:extLst>
             <a:ext uri="{C572A759-6A51-4108-AA02-DFA0A04FC94B}">
-              <ma14:wrappingTextBoxFlag xmlns:ma14="http://schemas.microsoft.com/office/mac/drawingml/2011/main" xmlns:a14="http://schemas.microsoft.com/office/drawing/2010/main" xmlns:m="http://schemas.openxmlformats.org/officeDocument/2006/math" xmlns="" val="1"/>
+              <ma14:wrappingTextBoxFlag xmlns="" xmlns:m="http://schemas.openxmlformats.org/officeDocument/2006/math" xmlns:a14="http://schemas.microsoft.com/office/drawing/2010/main" xmlns:ma14="http://schemas.microsoft.com/office/mac/drawingml/2011/main" val="1"/>
             </a:ext>
           </a:extLst>
         </p:spPr>
@@ -3803,7 +3803,7 @@
           </a:ln>
           <a:extLst>
             <a:ext uri="{C572A759-6A51-4108-AA02-DFA0A04FC94B}">
-              <ma14:wrappingTextBoxFlag xmlns="" xmlns:m="http://schemas.openxmlformats.org/officeDocument/2006/math" xmlns:a14="http://schemas.microsoft.com/office/drawing/2010/main" xmlns:ma14="http://schemas.microsoft.com/office/mac/drawingml/2011/main" val="1"/>
+              <ma14:wrappingTextBoxFlag xmlns:ma14="http://schemas.microsoft.com/office/mac/drawingml/2011/main" xmlns:a14="http://schemas.microsoft.com/office/drawing/2010/main" xmlns:m="http://schemas.openxmlformats.org/officeDocument/2006/math" xmlns="" val="1"/>
             </a:ext>
           </a:extLst>
         </p:spPr>
@@ -3901,8 +3901,8 @@
         </p:nvSpPr>
         <p:spPr>
           <a:xfrm>
-            <a:off x="562720" y="541973"/>
-            <a:ext cx="6096000" cy="276999"/>
+            <a:off x="548884" y="565056"/>
+            <a:ext cx="6096000" cy="246221"/>
           </a:xfrm>
           <a:prstGeom prst="rect">
             <a:avLst/>
@@ -3916,7 +3916,7 @@
           <a:lstStyle/>
           <a:p>
             <a:r>
-              <a:rPr lang="en-US" altLang="zh-CN" sz="1200" i="1">
+              <a:rPr lang="en-US" altLang="zh-CN" sz="1000" i="1">
                 <a:solidFill>
                   <a:schemeClr val="tx1">
                     <a:lumMod val="75000"/>
@@ -3925,9 +3925,9 @@
                 </a:solidFill>
                 <a:hlinkClick r:id="rId14"/>
               </a:rPr>
-              <a:t>https://hioier.com/</a:t>
-            </a:r>
-            <a:endParaRPr lang="zh-CN" altLang="en-US" sz="1200"/>
+              <a:t>https://www.hioier.com/</a:t>
+            </a:r>
+            <a:endParaRPr lang="zh-CN" altLang="en-US" sz="1000"/>
           </a:p>
         </p:txBody>
       </p:sp>
@@ -8512,7 +8512,7 @@
         <p:spPr>
           <a:xfrm>
             <a:off x="426599" y="3292845"/>
-            <a:ext cx="10955503" cy="830997"/>
+            <a:ext cx="10955503" cy="461665"/>
           </a:xfrm>
           <a:prstGeom prst="rect">
             <a:avLst/>
@@ -8534,7 +8534,7 @@
                   </a:schemeClr>
                 </a:solidFill>
               </a:rPr>
-              <a:t>用数组实现时，为了入队操作的方便，把队尾位置规定为最后入队元素的下一个位置。</a:t>
+              <a:t>用数组实现时，为了入队操作的方便，把队尾位置规定为最后入队元素的置。</a:t>
             </a:r>
           </a:p>
         </p:txBody>

--- a/信息学奥赛/信息学奥赛CSP-JS数据结构与算法/10-队列和广度优先搜索/队列和广度优先搜索.pptx
+++ b/信息学奥赛/信息学奥赛CSP-JS数据结构与算法/10-队列和广度优先搜索/队列和广度优先搜索.pptx
@@ -5,7 +5,7 @@
     <p:sldMasterId id="2147483648" r:id="rId1"/>
   </p:sldMasterIdLst>
   <p:notesMasterIdLst>
-    <p:notesMasterId r:id="rId24"/>
+    <p:notesMasterId r:id="rId18"/>
   </p:notesMasterIdLst>
   <p:sldIdLst>
     <p:sldId id="601" r:id="rId2"/>
@@ -18,18 +18,12 @@
     <p:sldId id="607" r:id="rId9"/>
     <p:sldId id="614" r:id="rId10"/>
     <p:sldId id="609" r:id="rId11"/>
-    <p:sldId id="595" r:id="rId12"/>
-    <p:sldId id="284" r:id="rId13"/>
-    <p:sldId id="596" r:id="rId14"/>
-    <p:sldId id="597" r:id="rId15"/>
-    <p:sldId id="598" r:id="rId16"/>
-    <p:sldId id="600" r:id="rId17"/>
-    <p:sldId id="599" r:id="rId18"/>
-    <p:sldId id="354" r:id="rId19"/>
-    <p:sldId id="386" r:id="rId20"/>
-    <p:sldId id="378" r:id="rId21"/>
-    <p:sldId id="379" r:id="rId22"/>
-    <p:sldId id="381" r:id="rId23"/>
+    <p:sldId id="284" r:id="rId12"/>
+    <p:sldId id="596" r:id="rId13"/>
+    <p:sldId id="597" r:id="rId14"/>
+    <p:sldId id="598" r:id="rId15"/>
+    <p:sldId id="600" r:id="rId16"/>
+    <p:sldId id="599" r:id="rId17"/>
   </p:sldIdLst>
   <p:sldSz cx="12192000" cy="6858000"/>
   <p:notesSz cx="6858000" cy="9144000"/>
@@ -147,18 +141,12 @@
         </p14:section>
         <p14:section name="广度优先" id="{E162E15A-7B2A-4269-9819-B2007A80A3EB}">
           <p14:sldIdLst>
-            <p14:sldId id="595"/>
             <p14:sldId id="284"/>
             <p14:sldId id="596"/>
             <p14:sldId id="597"/>
             <p14:sldId id="598"/>
             <p14:sldId id="600"/>
             <p14:sldId id="599"/>
-            <p14:sldId id="354"/>
-            <p14:sldId id="386"/>
-            <p14:sldId id="378"/>
-            <p14:sldId id="379"/>
-            <p14:sldId id="381"/>
           </p14:sldIdLst>
         </p14:section>
       </p14:sectionLst>
@@ -252,7 +240,7 @@
           <a:p>
             <a:fld id="{CB9339E1-1933-4C59-AFE6-02F1337CBDA0}" type="datetimeFigureOut">
               <a:rPr lang="zh-CN" altLang="en-US" smtClean="0"/>
-              <a:t>2023/2/18</a:t>
+              <a:t>2023/2/24</a:t>
             </a:fld>
             <a:endParaRPr lang="zh-CN" altLang="en-US"/>
           </a:p>
@@ -680,7 +668,7 @@
           <a:p>
             <a:fld id="{CA25C14C-9F7E-4FA0-8E24-92D7A1B74D5E}" type="datetimeFigureOut">
               <a:rPr lang="zh-CN" altLang="en-US" smtClean="0"/>
-              <a:t>2023/2/18</a:t>
+              <a:t>2023/2/24</a:t>
             </a:fld>
             <a:endParaRPr lang="zh-CN" altLang="en-US"/>
           </a:p>
@@ -918,7 +906,7 @@
           <a:p>
             <a:fld id="{CA25C14C-9F7E-4FA0-8E24-92D7A1B74D5E}" type="datetimeFigureOut">
               <a:rPr lang="zh-CN" altLang="en-US" smtClean="0"/>
-              <a:t>2023/2/18</a:t>
+              <a:t>2023/2/24</a:t>
             </a:fld>
             <a:endParaRPr lang="zh-CN" altLang="en-US"/>
           </a:p>
@@ -1156,7 +1144,7 @@
           <a:p>
             <a:fld id="{CA25C14C-9F7E-4FA0-8E24-92D7A1B74D5E}" type="datetimeFigureOut">
               <a:rPr lang="zh-CN" altLang="en-US" smtClean="0"/>
-              <a:t>2023/2/18</a:t>
+              <a:t>2023/2/24</a:t>
             </a:fld>
             <a:endParaRPr lang="zh-CN" altLang="en-US"/>
           </a:p>
@@ -1394,7 +1382,7 @@
           <a:p>
             <a:fld id="{CA25C14C-9F7E-4FA0-8E24-92D7A1B74D5E}" type="datetimeFigureOut">
               <a:rPr lang="zh-CN" altLang="en-US" smtClean="0"/>
-              <a:t>2023/2/18</a:t>
+              <a:t>2023/2/24</a:t>
             </a:fld>
             <a:endParaRPr lang="zh-CN" altLang="en-US"/>
           </a:p>
@@ -1699,7 +1687,7 @@
           <a:p>
             <a:fld id="{CA25C14C-9F7E-4FA0-8E24-92D7A1B74D5E}" type="datetimeFigureOut">
               <a:rPr lang="zh-CN" altLang="en-US" smtClean="0"/>
-              <a:t>2023/2/18</a:t>
+              <a:t>2023/2/24</a:t>
             </a:fld>
             <a:endParaRPr lang="zh-CN" altLang="en-US"/>
           </a:p>
@@ -2002,7 +1990,7 @@
           <a:p>
             <a:fld id="{CA25C14C-9F7E-4FA0-8E24-92D7A1B74D5E}" type="datetimeFigureOut">
               <a:rPr lang="zh-CN" altLang="en-US" smtClean="0"/>
-              <a:t>2023/2/18</a:t>
+              <a:t>2023/2/24</a:t>
             </a:fld>
             <a:endParaRPr lang="zh-CN" altLang="en-US"/>
           </a:p>
@@ -2453,7 +2441,7 @@
           <a:p>
             <a:fld id="{CA25C14C-9F7E-4FA0-8E24-92D7A1B74D5E}" type="datetimeFigureOut">
               <a:rPr lang="zh-CN" altLang="en-US" smtClean="0"/>
-              <a:t>2023/2/18</a:t>
+              <a:t>2023/2/24</a:t>
             </a:fld>
             <a:endParaRPr lang="zh-CN" altLang="en-US"/>
           </a:p>
@@ -2626,7 +2614,7 @@
           <a:p>
             <a:fld id="{CA25C14C-9F7E-4FA0-8E24-92D7A1B74D5E}" type="datetimeFigureOut">
               <a:rPr lang="zh-CN" altLang="en-US" smtClean="0"/>
-              <a:t>2023/2/18</a:t>
+              <a:t>2023/2/24</a:t>
             </a:fld>
             <a:endParaRPr lang="zh-CN" altLang="en-US"/>
           </a:p>
@@ -2763,7 +2751,7 @@
           <a:p>
             <a:fld id="{CA25C14C-9F7E-4FA0-8E24-92D7A1B74D5E}" type="datetimeFigureOut">
               <a:rPr lang="zh-CN" altLang="en-US" smtClean="0"/>
-              <a:t>2023/2/18</a:t>
+              <a:t>2023/2/24</a:t>
             </a:fld>
             <a:endParaRPr lang="zh-CN" altLang="en-US"/>
           </a:p>
@@ -3107,7 +3095,7 @@
           <a:p>
             <a:fld id="{CA25C14C-9F7E-4FA0-8E24-92D7A1B74D5E}" type="datetimeFigureOut">
               <a:rPr lang="zh-CN" altLang="en-US" smtClean="0"/>
-              <a:t>2023/2/18</a:t>
+              <a:t>2023/2/24</a:t>
             </a:fld>
             <a:endParaRPr lang="zh-CN" altLang="en-US"/>
           </a:p>
@@ -3428,7 +3416,7 @@
           <a:p>
             <a:fld id="{CA25C14C-9F7E-4FA0-8E24-92D7A1B74D5E}" type="datetimeFigureOut">
               <a:rPr lang="zh-CN" altLang="en-US" smtClean="0"/>
-              <a:t>2023/2/18</a:t>
+              <a:t>2023/2/24</a:t>
             </a:fld>
             <a:endParaRPr lang="zh-CN" altLang="en-US"/>
           </a:p>
@@ -4507,8 +4495,8 @@
         </p:nvSpPr>
         <p:spPr bwMode="auto">
           <a:xfrm>
-            <a:off x="0" y="1116158"/>
-            <a:ext cx="11167340" cy="3785652"/>
+            <a:off x="-1" y="1116158"/>
+            <a:ext cx="11575473" cy="3785652"/>
           </a:xfrm>
           <a:prstGeom prst="rect">
             <a:avLst/>
@@ -4807,7 +4795,7 @@
                 <a:latin typeface="+mn-lt"/>
                 <a:ea typeface="+mn-ea"/>
               </a:rPr>
-              <a:t>0(1)</a:t>
+              <a:t>O(1)</a:t>
             </a:r>
             <a:r>
               <a:rPr lang="zh-CN" altLang="en-US" sz="2400" b="0">
@@ -4952,7 +4940,7 @@
                 <a:latin typeface="+mn-lt"/>
                 <a:ea typeface="+mn-ea"/>
               </a:rPr>
-              <a:t>0(1)</a:t>
+              <a:t>O(1)</a:t>
             </a:r>
             <a:r>
               <a:rPr lang="zh-CN" altLang="en-US" sz="2400" b="0">
@@ -5055,7 +5043,7 @@
                 <a:latin typeface="+mn-lt"/>
                 <a:ea typeface="+mn-ea"/>
               </a:rPr>
-              <a:t>0(1)</a:t>
+              <a:t>O(1)</a:t>
             </a:r>
             <a:r>
               <a:rPr lang="zh-CN" altLang="en-US" sz="2400" b="0">
@@ -5226,7 +5214,7 @@
                 <a:latin typeface="+mn-lt"/>
                 <a:ea typeface="+mn-ea"/>
               </a:rPr>
-              <a:t>0(1)</a:t>
+              <a:t>O(1)</a:t>
             </a:r>
             <a:r>
               <a:rPr lang="zh-CN" altLang="en-US" sz="2400" b="0">
@@ -5355,7 +5343,7 @@
                 <a:latin typeface="+mn-lt"/>
                 <a:ea typeface="+mn-ea"/>
               </a:rPr>
-              <a:t>0(1)</a:t>
+              <a:t>O(1)</a:t>
             </a:r>
             <a:r>
               <a:rPr lang="zh-CN" altLang="en-US" sz="2400" b="0">
@@ -5527,420 +5515,6 @@
       </p:grpSpPr>
       <p:sp>
         <p:nvSpPr>
-          <p:cNvPr id="174083" name="矩形 2">
-            <a:extLst>
-              <a:ext uri="{FF2B5EF4-FFF2-40B4-BE49-F238E27FC236}">
-                <a16:creationId xmlns:a16="http://schemas.microsoft.com/office/drawing/2014/main" id="{00970780-FF62-417F-AAF2-14EB3B9028B6}"/>
-              </a:ext>
-            </a:extLst>
-          </p:cNvPr>
-          <p:cNvSpPr>
-            <a:spLocks noChangeArrowheads="1"/>
-          </p:cNvSpPr>
-          <p:nvPr/>
-        </p:nvSpPr>
-        <p:spPr bwMode="auto">
-          <a:xfrm>
-            <a:off x="470766" y="996229"/>
-            <a:ext cx="11042650" cy="2497094"/>
-          </a:xfrm>
-          <a:prstGeom prst="rect">
-            <a:avLst/>
-          </a:prstGeom>
-          <a:noFill/>
-          <a:ln>
-            <a:noFill/>
-          </a:ln>
-          <a:extLst>
-            <a:ext uri="{909E8E84-426E-40DD-AFC4-6F175D3DCCD1}">
-              <a14:hiddenFill xmlns:a14="http://schemas.microsoft.com/office/drawing/2010/main">
-                <a:solidFill>
-                  <a:srgbClr val="FFFFFF"/>
-                </a:solidFill>
-              </a14:hiddenFill>
-            </a:ext>
-            <a:ext uri="{91240B29-F687-4F45-9708-019B960494DF}">
-              <a14:hiddenLine xmlns:a14="http://schemas.microsoft.com/office/drawing/2010/main" w="9525">
-                <a:solidFill>
-                  <a:srgbClr val="000000"/>
-                </a:solidFill>
-                <a:miter lim="800000"/>
-                <a:headEnd/>
-                <a:tailEnd/>
-              </a14:hiddenLine>
-            </a:ext>
-          </a:extLst>
-        </p:spPr>
-        <p:txBody>
-          <a:bodyPr wrap="square">
-            <a:spAutoFit/>
-          </a:bodyPr>
-          <a:lstStyle>
-            <a:lvl1pPr indent="574675">
-              <a:spcBef>
-                <a:spcPct val="20000"/>
-              </a:spcBef>
-              <a:buClr>
-                <a:schemeClr val="accent2"/>
-              </a:buClr>
-              <a:buSzPct val="80000"/>
-              <a:buFont typeface="Wingdings" panose="05000000000000000000" pitchFamily="2" charset="2"/>
-              <a:buChar char="l"/>
-              <a:defRPr kumimoji="1" sz="3200" b="1">
-                <a:solidFill>
-                  <a:srgbClr val="000066"/>
-                </a:solidFill>
-                <a:latin typeface="Times New Roman" panose="02020603050405020304" pitchFamily="18" charset="0"/>
-                <a:ea typeface="宋体" panose="02010600030101010101" pitchFamily="2" charset="-122"/>
-              </a:defRPr>
-            </a:lvl1pPr>
-            <a:lvl2pPr marL="742950" indent="-285750">
-              <a:spcBef>
-                <a:spcPct val="20000"/>
-              </a:spcBef>
-              <a:buClr>
-                <a:schemeClr val="tx1"/>
-              </a:buClr>
-              <a:buSzPct val="90000"/>
-              <a:buChar char="–"/>
-              <a:defRPr kumimoji="1" sz="2800" b="1">
-                <a:solidFill>
-                  <a:srgbClr val="000066"/>
-                </a:solidFill>
-                <a:latin typeface="Times New Roman" panose="02020603050405020304" pitchFamily="18" charset="0"/>
-                <a:ea typeface="宋体" panose="02010600030101010101" pitchFamily="2" charset="-122"/>
-              </a:defRPr>
-            </a:lvl2pPr>
-            <a:lvl3pPr marL="1143000" indent="-228600">
-              <a:spcBef>
-                <a:spcPct val="20000"/>
-              </a:spcBef>
-              <a:buClr>
-                <a:schemeClr val="accent1"/>
-              </a:buClr>
-              <a:buSzPct val="60000"/>
-              <a:buFont typeface="Wingdings" panose="05000000000000000000" pitchFamily="2" charset="2"/>
-              <a:buChar char="l"/>
-              <a:defRPr kumimoji="1" sz="2400" b="1">
-                <a:solidFill>
-                  <a:srgbClr val="000066"/>
-                </a:solidFill>
-                <a:latin typeface="Times New Roman" panose="02020603050405020304" pitchFamily="18" charset="0"/>
-                <a:ea typeface="宋体" panose="02010600030101010101" pitchFamily="2" charset="-122"/>
-              </a:defRPr>
-            </a:lvl3pPr>
-            <a:lvl4pPr marL="1600200" indent="-228600">
-              <a:spcBef>
-                <a:spcPct val="20000"/>
-              </a:spcBef>
-              <a:buClr>
-                <a:schemeClr val="tx1"/>
-              </a:buClr>
-              <a:buChar char="–"/>
-              <a:defRPr kumimoji="1" sz="2000" b="1">
-                <a:solidFill>
-                  <a:srgbClr val="000066"/>
-                </a:solidFill>
-                <a:latin typeface="Times New Roman" panose="02020603050405020304" pitchFamily="18" charset="0"/>
-                <a:ea typeface="宋体" panose="02010600030101010101" pitchFamily="2" charset="-122"/>
-              </a:defRPr>
-            </a:lvl4pPr>
-            <a:lvl5pPr marL="2057400" indent="-228600">
-              <a:spcBef>
-                <a:spcPct val="20000"/>
-              </a:spcBef>
-              <a:buClr>
-                <a:schemeClr val="accent1"/>
-              </a:buClr>
-              <a:buChar char="•"/>
-              <a:defRPr kumimoji="1" sz="2000" b="1">
-                <a:solidFill>
-                  <a:srgbClr val="000066"/>
-                </a:solidFill>
-                <a:latin typeface="Times New Roman" panose="02020603050405020304" pitchFamily="18" charset="0"/>
-                <a:ea typeface="宋体" panose="02010600030101010101" pitchFamily="2" charset="-122"/>
-              </a:defRPr>
-            </a:lvl5pPr>
-            <a:lvl6pPr marL="2514600" indent="-228600" eaLnBrk="0" fontAlgn="base" hangingPunct="0">
-              <a:spcBef>
-                <a:spcPct val="20000"/>
-              </a:spcBef>
-              <a:spcAft>
-                <a:spcPct val="0"/>
-              </a:spcAft>
-              <a:buClr>
-                <a:schemeClr val="accent1"/>
-              </a:buClr>
-              <a:buChar char="•"/>
-              <a:defRPr kumimoji="1" sz="2000" b="1">
-                <a:solidFill>
-                  <a:srgbClr val="000066"/>
-                </a:solidFill>
-                <a:latin typeface="Times New Roman" panose="02020603050405020304" pitchFamily="18" charset="0"/>
-                <a:ea typeface="宋体" panose="02010600030101010101" pitchFamily="2" charset="-122"/>
-              </a:defRPr>
-            </a:lvl6pPr>
-            <a:lvl7pPr marL="2971800" indent="-228600" eaLnBrk="0" fontAlgn="base" hangingPunct="0">
-              <a:spcBef>
-                <a:spcPct val="20000"/>
-              </a:spcBef>
-              <a:spcAft>
-                <a:spcPct val="0"/>
-              </a:spcAft>
-              <a:buClr>
-                <a:schemeClr val="accent1"/>
-              </a:buClr>
-              <a:buChar char="•"/>
-              <a:defRPr kumimoji="1" sz="2000" b="1">
-                <a:solidFill>
-                  <a:srgbClr val="000066"/>
-                </a:solidFill>
-                <a:latin typeface="Times New Roman" panose="02020603050405020304" pitchFamily="18" charset="0"/>
-                <a:ea typeface="宋体" panose="02010600030101010101" pitchFamily="2" charset="-122"/>
-              </a:defRPr>
-            </a:lvl7pPr>
-            <a:lvl8pPr marL="3429000" indent="-228600" eaLnBrk="0" fontAlgn="base" hangingPunct="0">
-              <a:spcBef>
-                <a:spcPct val="20000"/>
-              </a:spcBef>
-              <a:spcAft>
-                <a:spcPct val="0"/>
-              </a:spcAft>
-              <a:buClr>
-                <a:schemeClr val="accent1"/>
-              </a:buClr>
-              <a:buChar char="•"/>
-              <a:defRPr kumimoji="1" sz="2000" b="1">
-                <a:solidFill>
-                  <a:srgbClr val="000066"/>
-                </a:solidFill>
-                <a:latin typeface="Times New Roman" panose="02020603050405020304" pitchFamily="18" charset="0"/>
-                <a:ea typeface="宋体" panose="02010600030101010101" pitchFamily="2" charset="-122"/>
-              </a:defRPr>
-            </a:lvl8pPr>
-            <a:lvl9pPr marL="3886200" indent="-228600" eaLnBrk="0" fontAlgn="base" hangingPunct="0">
-              <a:spcBef>
-                <a:spcPct val="20000"/>
-              </a:spcBef>
-              <a:spcAft>
-                <a:spcPct val="0"/>
-              </a:spcAft>
-              <a:buClr>
-                <a:schemeClr val="accent1"/>
-              </a:buClr>
-              <a:buChar char="•"/>
-              <a:defRPr kumimoji="1" sz="2000" b="1">
-                <a:solidFill>
-                  <a:srgbClr val="000066"/>
-                </a:solidFill>
-                <a:latin typeface="Times New Roman" panose="02020603050405020304" pitchFamily="18" charset="0"/>
-                <a:ea typeface="宋体" panose="02010600030101010101" pitchFamily="2" charset="-122"/>
-              </a:defRPr>
-            </a:lvl9pPr>
-          </a:lstStyle>
-          <a:p>
-            <a:pPr indent="0">
-              <a:lnSpc>
-                <a:spcPct val="90000"/>
-              </a:lnSpc>
-              <a:spcBef>
-                <a:spcPts val="1000"/>
-              </a:spcBef>
-              <a:spcAft>
-                <a:spcPts val="600"/>
-              </a:spcAft>
-              <a:buNone/>
-            </a:pPr>
-            <a:r>
-              <a:rPr lang="zh-CN" altLang="en-US" sz="2400" b="0">
-                <a:solidFill>
-                  <a:schemeClr val="tx1">
-                    <a:lumMod val="75000"/>
-                    <a:lumOff val="25000"/>
-                  </a:schemeClr>
-                </a:solidFill>
-                <a:latin typeface="+mn-lt"/>
-                <a:ea typeface="+mn-ea"/>
-              </a:rPr>
-              <a:t>搜索是计算机程序设计中一种最基本、最常用的算法。搜索算法是直接基于计算机高速运算的特点而使用的计算机求解方法。</a:t>
-            </a:r>
-            <a:endParaRPr lang="en-US" altLang="zh-CN" sz="2400" b="0">
-              <a:solidFill>
-                <a:schemeClr val="tx1">
-                  <a:lumMod val="75000"/>
-                  <a:lumOff val="25000"/>
-                </a:schemeClr>
-              </a:solidFill>
-              <a:latin typeface="+mn-lt"/>
-              <a:ea typeface="+mn-ea"/>
-            </a:endParaRPr>
-          </a:p>
-          <a:p>
-            <a:pPr indent="0">
-              <a:lnSpc>
-                <a:spcPct val="90000"/>
-              </a:lnSpc>
-              <a:spcBef>
-                <a:spcPts val="1000"/>
-              </a:spcBef>
-              <a:spcAft>
-                <a:spcPts val="600"/>
-              </a:spcAft>
-              <a:buNone/>
-            </a:pPr>
-            <a:r>
-              <a:rPr lang="zh-CN" altLang="en-US" sz="2400" b="0">
-                <a:solidFill>
-                  <a:schemeClr val="tx1">
-                    <a:lumMod val="75000"/>
-                    <a:lumOff val="25000"/>
-                  </a:schemeClr>
-                </a:solidFill>
-                <a:latin typeface="+mn-lt"/>
-                <a:ea typeface="+mn-ea"/>
-              </a:rPr>
-              <a:t>它是从问题的初始状态出发，根据其中的约束条件，按照一定的策略，有序推进，不断深入，对于达到的所有目标状态（解空间），一一验证，找到符合条件的解（可行解），或者找出所有可行解中的最优解。</a:t>
-            </a:r>
-            <a:endParaRPr lang="en-US" altLang="zh-CN" sz="2400" b="0">
-              <a:solidFill>
-                <a:schemeClr val="tx1">
-                  <a:lumMod val="75000"/>
-                  <a:lumOff val="25000"/>
-                </a:schemeClr>
-              </a:solidFill>
-              <a:latin typeface="+mn-lt"/>
-              <a:ea typeface="+mn-ea"/>
-            </a:endParaRPr>
-          </a:p>
-          <a:p>
-            <a:pPr indent="0">
-              <a:lnSpc>
-                <a:spcPct val="90000"/>
-              </a:lnSpc>
-              <a:spcBef>
-                <a:spcPts val="1000"/>
-              </a:spcBef>
-              <a:spcAft>
-                <a:spcPts val="600"/>
-              </a:spcAft>
-              <a:buNone/>
-            </a:pPr>
-            <a:r>
-              <a:rPr lang="zh-CN" altLang="en-US" sz="2400" b="0">
-                <a:solidFill>
-                  <a:schemeClr val="tx1">
-                    <a:lumMod val="75000"/>
-                    <a:lumOff val="25000"/>
-                  </a:schemeClr>
-                </a:solidFill>
-                <a:latin typeface="+mn-lt"/>
-                <a:ea typeface="+mn-ea"/>
-              </a:rPr>
-              <a:t>按照推进的控制策略，搜索一般分为宽度优先搜索和深度优先搜索。</a:t>
-            </a:r>
-          </a:p>
-        </p:txBody>
-      </p:sp>
-      <p:sp>
-        <p:nvSpPr>
-          <p:cNvPr id="7" name="矩形 6">
-            <a:extLst>
-              <a:ext uri="{FF2B5EF4-FFF2-40B4-BE49-F238E27FC236}">
-                <a16:creationId xmlns:a16="http://schemas.microsoft.com/office/drawing/2014/main" id="{4A6CABE6-FADF-CD96-B34C-807145AC08A0}"/>
-              </a:ext>
-            </a:extLst>
-          </p:cNvPr>
-          <p:cNvSpPr/>
-          <p:nvPr/>
-        </p:nvSpPr>
-        <p:spPr>
-          <a:xfrm>
-            <a:off x="2106516" y="272045"/>
-            <a:ext cx="1620957" cy="523220"/>
-          </a:xfrm>
-          <a:prstGeom prst="rect">
-            <a:avLst/>
-          </a:prstGeom>
-          <a:ln/>
-        </p:spPr>
-        <p:style>
-          <a:lnRef idx="3">
-            <a:schemeClr val="lt1"/>
-          </a:lnRef>
-          <a:fillRef idx="1">
-            <a:schemeClr val="accent2"/>
-          </a:fillRef>
-          <a:effectRef idx="1">
-            <a:schemeClr val="accent2"/>
-          </a:effectRef>
-          <a:fontRef idx="minor">
-            <a:schemeClr val="lt1"/>
-          </a:fontRef>
-        </p:style>
-        <p:txBody>
-          <a:bodyPr wrap="none" lIns="91440" tIns="45720" rIns="91440" bIns="45720">
-            <a:spAutoFit/>
-          </a:bodyPr>
-          <a:lstStyle/>
-          <a:p>
-            <a:pPr algn="ctr"/>
-            <a:r>
-              <a:rPr lang="zh-CN" altLang="en-US" sz="2800" b="1" cap="none" spc="0">
-                <a:ln w="6600">
-                  <a:solidFill>
-                    <a:schemeClr val="accent2"/>
-                  </a:solidFill>
-                  <a:prstDash val="solid"/>
-                </a:ln>
-                <a:solidFill>
-                  <a:srgbClr val="FFFFFF"/>
-                </a:solidFill>
-                <a:effectLst>
-                  <a:outerShdw dist="38100" dir="2700000" algn="tl" rotWithShape="0">
-                    <a:schemeClr val="accent2"/>
-                  </a:outerShdw>
-                </a:effectLst>
-              </a:rPr>
-              <a:t>搜索算法</a:t>
-            </a:r>
-          </a:p>
-        </p:txBody>
-      </p:sp>
-    </p:spTree>
-  </p:cSld>
-  <p:clrMapOvr>
-    <a:masterClrMapping/>
-  </p:clrMapOvr>
-  <mc:AlternateContent xmlns:mc="http://schemas.openxmlformats.org/markup-compatibility/2006" xmlns:p14="http://schemas.microsoft.com/office/powerpoint/2010/main">
-    <mc:Choice Requires="p14">
-      <p:transition spd="slow" p14:dur="2000" advClick="0"/>
-    </mc:Choice>
-    <mc:Fallback xmlns="">
-      <p:transition spd="slow" advClick="0"/>
-    </mc:Fallback>
-  </mc:AlternateContent>
-</p:sld>
-</file>
-
-<file path=ppt/slides/slide12.xml><?xml version="1.0" encoding="utf-8"?>
-<p:sld xmlns:a="http://schemas.openxmlformats.org/drawingml/2006/main" xmlns:r="http://schemas.openxmlformats.org/officeDocument/2006/relationships" xmlns:p="http://schemas.openxmlformats.org/presentationml/2006/main">
-  <p:cSld>
-    <p:spTree>
-      <p:nvGrpSpPr>
-        <p:cNvPr id="1" name=""/>
-        <p:cNvGrpSpPr/>
-        <p:nvPr/>
-      </p:nvGrpSpPr>
-      <p:grpSpPr>
-        <a:xfrm>
-          <a:off x="0" y="0"/>
-          <a:ext cx="0" cy="0"/>
-          <a:chOff x="0" y="0"/>
-          <a:chExt cx="0" cy="0"/>
-        </a:xfrm>
-      </p:grpSpPr>
-      <p:sp>
-        <p:nvSpPr>
           <p:cNvPr id="3" name="副标题 2"/>
           <p:cNvSpPr>
             <a:spLocks noGrp="1"/>
@@ -6706,6 +6280,173 @@
         </p:txBody>
       </p:sp>
     </p:spTree>
+  </p:cSld>
+  <p:clrMapOvr>
+    <a:masterClrMapping/>
+  </p:clrMapOvr>
+</p:sld>
+</file>
+
+<file path=ppt/slides/slide12.xml><?xml version="1.0" encoding="utf-8"?>
+<p:sld xmlns:a="http://schemas.openxmlformats.org/drawingml/2006/main" xmlns:r="http://schemas.openxmlformats.org/officeDocument/2006/relationships" xmlns:p="http://schemas.openxmlformats.org/presentationml/2006/main">
+  <p:cSld>
+    <p:spTree>
+      <p:nvGrpSpPr>
+        <p:cNvPr id="1" name=""/>
+        <p:cNvGrpSpPr/>
+        <p:nvPr/>
+      </p:nvGrpSpPr>
+      <p:grpSpPr>
+        <a:xfrm>
+          <a:off x="0" y="0"/>
+          <a:ext cx="0" cy="0"/>
+          <a:chOff x="0" y="0"/>
+          <a:chExt cx="0" cy="0"/>
+        </a:xfrm>
+      </p:grpSpPr>
+      <p:sp>
+        <p:nvSpPr>
+          <p:cNvPr id="4" name="文本框 3">
+            <a:extLst>
+              <a:ext uri="{FF2B5EF4-FFF2-40B4-BE49-F238E27FC236}">
+                <a16:creationId xmlns:a16="http://schemas.microsoft.com/office/drawing/2014/main" id="{63719E88-9C3C-4C2C-A854-B73EA6247A28}"/>
+              </a:ext>
+            </a:extLst>
+          </p:cNvPr>
+          <p:cNvSpPr txBox="1"/>
+          <p:nvPr/>
+        </p:nvSpPr>
+        <p:spPr>
+          <a:xfrm>
+            <a:off x="422563" y="993063"/>
+            <a:ext cx="10716491" cy="830997"/>
+          </a:xfrm>
+          <a:prstGeom prst="rect">
+            <a:avLst/>
+          </a:prstGeom>
+          <a:noFill/>
+        </p:spPr>
+        <p:txBody>
+          <a:bodyPr wrap="square">
+            <a:spAutoFit/>
+          </a:bodyPr>
+          <a:lstStyle/>
+          <a:p>
+            <a:r>
+              <a:rPr lang="zh-CN" altLang="en-US" sz="2400">
+                <a:solidFill>
+                  <a:schemeClr val="tx1">
+                    <a:lumMod val="75000"/>
+                    <a:lumOff val="25000"/>
+                  </a:schemeClr>
+                </a:solidFill>
+              </a:rPr>
+              <a:t>假设你经营着一个芒果农场,需要寻找芒果销售商，以便将芒果卖给他。在社交平台上，你与芒果销售商没有直接联系，为此，你可在朋友中查找。</a:t>
+            </a:r>
+          </a:p>
+        </p:txBody>
+      </p:sp>
+      <p:pic>
+        <p:nvPicPr>
+          <p:cNvPr id="6" name="图片 5">
+            <a:extLst>
+              <a:ext uri="{FF2B5EF4-FFF2-40B4-BE49-F238E27FC236}">
+                <a16:creationId xmlns:a16="http://schemas.microsoft.com/office/drawing/2014/main" id="{0D8B9E88-0875-4479-9510-6E49F5920B7F}"/>
+              </a:ext>
+            </a:extLst>
+          </p:cNvPr>
+          <p:cNvPicPr>
+            <a:picLocks noChangeAspect="1"/>
+          </p:cNvPicPr>
+          <p:nvPr/>
+        </p:nvPicPr>
+        <p:blipFill>
+          <a:blip r:embed="rId2"/>
+          <a:stretch>
+            <a:fillRect/>
+          </a:stretch>
+        </p:blipFill>
+        <p:spPr>
+          <a:xfrm>
+            <a:off x="3882302" y="2131251"/>
+            <a:ext cx="3797011" cy="3804122"/>
+          </a:xfrm>
+          <a:prstGeom prst="rect">
+            <a:avLst/>
+          </a:prstGeom>
+        </p:spPr>
+      </p:pic>
+      <p:sp>
+        <p:nvSpPr>
+          <p:cNvPr id="5" name="矩形 4">
+            <a:extLst>
+              <a:ext uri="{FF2B5EF4-FFF2-40B4-BE49-F238E27FC236}">
+                <a16:creationId xmlns:a16="http://schemas.microsoft.com/office/drawing/2014/main" id="{FDCCCE42-1972-FAD2-CF1B-51F48959FB25}"/>
+              </a:ext>
+            </a:extLst>
+          </p:cNvPr>
+          <p:cNvSpPr/>
+          <p:nvPr/>
+        </p:nvSpPr>
+        <p:spPr>
+          <a:xfrm>
+            <a:off x="2089936" y="256279"/>
+            <a:ext cx="3057247" cy="523220"/>
+          </a:xfrm>
+          <a:prstGeom prst="rect">
+            <a:avLst/>
+          </a:prstGeom>
+          <a:ln/>
+        </p:spPr>
+        <p:style>
+          <a:lnRef idx="3">
+            <a:schemeClr val="lt1"/>
+          </a:lnRef>
+          <a:fillRef idx="1">
+            <a:schemeClr val="accent2"/>
+          </a:fillRef>
+          <a:effectRef idx="1">
+            <a:schemeClr val="accent2"/>
+          </a:effectRef>
+          <a:fontRef idx="minor">
+            <a:schemeClr val="lt1"/>
+          </a:fontRef>
+        </p:style>
+        <p:txBody>
+          <a:bodyPr wrap="none" lIns="91440" tIns="45720" rIns="91440" bIns="45720">
+            <a:spAutoFit/>
+          </a:bodyPr>
+          <a:lstStyle/>
+          <a:p>
+            <a:pPr algn="ctr"/>
+            <a:r>
+              <a:rPr lang="zh-CN" altLang="en-US" sz="2800" b="1" cap="none" spc="0">
+                <a:ln w="6600">
+                  <a:solidFill>
+                    <a:schemeClr val="accent2"/>
+                  </a:solidFill>
+                  <a:prstDash val="solid"/>
+                </a:ln>
+                <a:solidFill>
+                  <a:srgbClr val="FFFFFF"/>
+                </a:solidFill>
+                <a:effectLst>
+                  <a:outerShdw dist="38100" dir="2700000" algn="tl" rotWithShape="0">
+                    <a:schemeClr val="accent2"/>
+                  </a:outerShdw>
+                </a:effectLst>
+              </a:rPr>
+              <a:t>广度优先搜索思想</a:t>
+            </a:r>
+          </a:p>
+        </p:txBody>
+      </p:sp>
+    </p:spTree>
+    <p:extLst>
+      <p:ext uri="{BB962C8B-B14F-4D97-AF65-F5344CB8AC3E}">
+        <p14:creationId xmlns:p14="http://schemas.microsoft.com/office/powerpoint/2010/main" val="1208463908"/>
+      </p:ext>
+    </p:extLst>
   </p:cSld>
   <p:clrMapOvr>
     <a:masterClrMapping/>
@@ -6732,10 +6473,10 @@
       </p:grpSpPr>
       <p:sp>
         <p:nvSpPr>
-          <p:cNvPr id="4" name="文本框 3">
-            <a:extLst>
-              <a:ext uri="{FF2B5EF4-FFF2-40B4-BE49-F238E27FC236}">
-                <a16:creationId xmlns:a16="http://schemas.microsoft.com/office/drawing/2014/main" id="{63719E88-9C3C-4C2C-A854-B73EA6247A28}"/>
+          <p:cNvPr id="2" name="文本框 1">
+            <a:extLst>
+              <a:ext uri="{FF2B5EF4-FFF2-40B4-BE49-F238E27FC236}">
+                <a16:creationId xmlns:a16="http://schemas.microsoft.com/office/drawing/2014/main" id="{422344C5-70C6-414F-88E9-B91897B54F3E}"/>
               </a:ext>
             </a:extLst>
           </p:cNvPr>
@@ -6744,8 +6485,8 @@
         </p:nvSpPr>
         <p:spPr>
           <a:xfrm>
-            <a:off x="422563" y="993063"/>
-            <a:ext cx="10716491" cy="830997"/>
+            <a:off x="435556" y="1083023"/>
+            <a:ext cx="6096000" cy="461665"/>
           </a:xfrm>
           <a:prstGeom prst="rect">
             <a:avLst/>
@@ -6767,17 +6508,17 @@
                   </a:schemeClr>
                 </a:solidFill>
               </a:rPr>
-              <a:t>假设你经营着一个芒果农场,需要寻找芒果销售商，以便将芒果卖给他。在社交平台上，你与芒果销售商没有直接联系，为此，你可在朋友中查找。</a:t>
+              <a:t>这种查找很简单。首先，创建一个朋友名单。</a:t>
             </a:r>
           </a:p>
         </p:txBody>
       </p:sp>
       <p:pic>
         <p:nvPicPr>
-          <p:cNvPr id="6" name="图片 5">
-            <a:extLst>
-              <a:ext uri="{FF2B5EF4-FFF2-40B4-BE49-F238E27FC236}">
-                <a16:creationId xmlns:a16="http://schemas.microsoft.com/office/drawing/2014/main" id="{0D8B9E88-0875-4479-9510-6E49F5920B7F}"/>
+          <p:cNvPr id="5" name="图片 4">
+            <a:extLst>
+              <a:ext uri="{FF2B5EF4-FFF2-40B4-BE49-F238E27FC236}">
+                <a16:creationId xmlns:a16="http://schemas.microsoft.com/office/drawing/2014/main" id="{807C65C8-F044-4C82-B6A4-AF72E1B75C6F}"/>
               </a:ext>
             </a:extLst>
           </p:cNvPr>
@@ -6794,8 +6535,8 @@
         </p:blipFill>
         <p:spPr>
           <a:xfrm>
-            <a:off x="3882302" y="2131251"/>
-            <a:ext cx="3797011" cy="3804122"/>
+            <a:off x="3483556" y="1704108"/>
+            <a:ext cx="2319939" cy="2058537"/>
           </a:xfrm>
           <a:prstGeom prst="rect">
             <a:avLst/>
@@ -6804,10 +6545,10 @@
       </p:pic>
       <p:sp>
         <p:nvSpPr>
-          <p:cNvPr id="5" name="矩形 4">
-            <a:extLst>
-              <a:ext uri="{FF2B5EF4-FFF2-40B4-BE49-F238E27FC236}">
-                <a16:creationId xmlns:a16="http://schemas.microsoft.com/office/drawing/2014/main" id="{FDCCCE42-1972-FAD2-CF1B-51F48959FB25}"/>
+          <p:cNvPr id="6" name="矩形 5">
+            <a:extLst>
+              <a:ext uri="{FF2B5EF4-FFF2-40B4-BE49-F238E27FC236}">
+                <a16:creationId xmlns:a16="http://schemas.microsoft.com/office/drawing/2014/main" id="{0A8B6A3B-0D50-9C59-CBBF-570CFCDE1E9F}"/>
               </a:ext>
             </a:extLst>
           </p:cNvPr>
@@ -6870,7 +6611,7 @@
     </p:spTree>
     <p:extLst>
       <p:ext uri="{BB962C8B-B14F-4D97-AF65-F5344CB8AC3E}">
-        <p14:creationId xmlns:p14="http://schemas.microsoft.com/office/powerpoint/2010/main" val="1208463908"/>
+        <p14:creationId xmlns:p14="http://schemas.microsoft.com/office/powerpoint/2010/main" val="2676161456"/>
       </p:ext>
     </p:extLst>
   </p:cSld>
@@ -6897,54 +6638,12 @@
           <a:chExt cx="0" cy="0"/>
         </a:xfrm>
       </p:grpSpPr>
-      <p:sp>
-        <p:nvSpPr>
-          <p:cNvPr id="2" name="文本框 1">
-            <a:extLst>
-              <a:ext uri="{FF2B5EF4-FFF2-40B4-BE49-F238E27FC236}">
-                <a16:creationId xmlns:a16="http://schemas.microsoft.com/office/drawing/2014/main" id="{422344C5-70C6-414F-88E9-B91897B54F3E}"/>
-              </a:ext>
-            </a:extLst>
-          </p:cNvPr>
-          <p:cNvSpPr txBox="1"/>
-          <p:nvPr/>
-        </p:nvSpPr>
-        <p:spPr>
-          <a:xfrm>
-            <a:off x="435556" y="1083023"/>
-            <a:ext cx="6096000" cy="461665"/>
-          </a:xfrm>
-          <a:prstGeom prst="rect">
-            <a:avLst/>
-          </a:prstGeom>
-          <a:noFill/>
-        </p:spPr>
-        <p:txBody>
-          <a:bodyPr wrap="square">
-            <a:spAutoFit/>
-          </a:bodyPr>
-          <a:lstStyle/>
-          <a:p>
-            <a:r>
-              <a:rPr lang="zh-CN" altLang="en-US" sz="2400">
-                <a:solidFill>
-                  <a:schemeClr val="tx1">
-                    <a:lumMod val="75000"/>
-                    <a:lumOff val="25000"/>
-                  </a:schemeClr>
-                </a:solidFill>
-              </a:rPr>
-              <a:t>这种查找很简单。首先，创建一个朋友名单。</a:t>
-            </a:r>
-          </a:p>
-        </p:txBody>
-      </p:sp>
       <p:pic>
         <p:nvPicPr>
-          <p:cNvPr id="5" name="图片 4">
-            <a:extLst>
-              <a:ext uri="{FF2B5EF4-FFF2-40B4-BE49-F238E27FC236}">
-                <a16:creationId xmlns:a16="http://schemas.microsoft.com/office/drawing/2014/main" id="{807C65C8-F044-4C82-B6A4-AF72E1B75C6F}"/>
+          <p:cNvPr id="3" name="图片 2">
+            <a:extLst>
+              <a:ext uri="{FF2B5EF4-FFF2-40B4-BE49-F238E27FC236}">
+                <a16:creationId xmlns:a16="http://schemas.microsoft.com/office/drawing/2014/main" id="{AAE1B4A2-6E5D-4D94-A483-FD874B5A6612}"/>
               </a:ext>
             </a:extLst>
           </p:cNvPr>
@@ -6961,8 +6660,8 @@
         </p:blipFill>
         <p:spPr>
           <a:xfrm>
-            <a:off x="3483556" y="1704108"/>
-            <a:ext cx="2319939" cy="2058537"/>
+            <a:off x="3435927" y="1636867"/>
+            <a:ext cx="4802708" cy="4770860"/>
           </a:xfrm>
           <a:prstGeom prst="rect">
             <a:avLst/>
@@ -6971,10 +6670,52 @@
       </p:pic>
       <p:sp>
         <p:nvSpPr>
+          <p:cNvPr id="4" name="文本框 3">
+            <a:extLst>
+              <a:ext uri="{FF2B5EF4-FFF2-40B4-BE49-F238E27FC236}">
+                <a16:creationId xmlns:a16="http://schemas.microsoft.com/office/drawing/2014/main" id="{A32A3315-44B6-4780-AD3F-5BE34C024FF0}"/>
+              </a:ext>
+            </a:extLst>
+          </p:cNvPr>
+          <p:cNvSpPr txBox="1"/>
+          <p:nvPr/>
+        </p:nvSpPr>
+        <p:spPr>
+          <a:xfrm>
+            <a:off x="456338" y="982525"/>
+            <a:ext cx="8638309" cy="461665"/>
+          </a:xfrm>
+          <a:prstGeom prst="rect">
+            <a:avLst/>
+          </a:prstGeom>
+          <a:noFill/>
+        </p:spPr>
+        <p:txBody>
+          <a:bodyPr wrap="square">
+            <a:spAutoFit/>
+          </a:bodyPr>
+          <a:lstStyle/>
+          <a:p>
+            <a:r>
+              <a:rPr lang="zh-CN" altLang="en-US" sz="2400">
+                <a:solidFill>
+                  <a:schemeClr val="tx1">
+                    <a:lumMod val="75000"/>
+                    <a:lumOff val="25000"/>
+                  </a:schemeClr>
+                </a:solidFill>
+              </a:rPr>
+              <a:t>然后，依次检查名单中的每个人，看看他是否是芒果销售商。</a:t>
+            </a:r>
+          </a:p>
+        </p:txBody>
+      </p:sp>
+      <p:sp>
+        <p:nvSpPr>
           <p:cNvPr id="6" name="矩形 5">
             <a:extLst>
               <a:ext uri="{FF2B5EF4-FFF2-40B4-BE49-F238E27FC236}">
-                <a16:creationId xmlns:a16="http://schemas.microsoft.com/office/drawing/2014/main" id="{0A8B6A3B-0D50-9C59-CBBF-570CFCDE1E9F}"/>
+                <a16:creationId xmlns:a16="http://schemas.microsoft.com/office/drawing/2014/main" id="{6D8DEAB7-B48D-B7F9-63CC-6225EC1AA72D}"/>
               </a:ext>
             </a:extLst>
           </p:cNvPr>
@@ -7037,7 +6778,7 @@
     </p:spTree>
     <p:extLst>
       <p:ext uri="{BB962C8B-B14F-4D97-AF65-F5344CB8AC3E}">
-        <p14:creationId xmlns:p14="http://schemas.microsoft.com/office/powerpoint/2010/main" val="2676161456"/>
+        <p14:creationId xmlns:p14="http://schemas.microsoft.com/office/powerpoint/2010/main" val="904967028"/>
       </p:ext>
     </p:extLst>
   </p:cSld>
@@ -7064,12 +6805,54 @@
           <a:chExt cx="0" cy="0"/>
         </a:xfrm>
       </p:grpSpPr>
+      <p:sp>
+        <p:nvSpPr>
+          <p:cNvPr id="3" name="文本框 2">
+            <a:extLst>
+              <a:ext uri="{FF2B5EF4-FFF2-40B4-BE49-F238E27FC236}">
+                <a16:creationId xmlns:a16="http://schemas.microsoft.com/office/drawing/2014/main" id="{1B6D54BA-9D07-4A7D-94CD-BBD3519B2C60}"/>
+              </a:ext>
+            </a:extLst>
+          </p:cNvPr>
+          <p:cNvSpPr txBox="1"/>
+          <p:nvPr/>
+        </p:nvSpPr>
+        <p:spPr>
+          <a:xfrm>
+            <a:off x="519545" y="993016"/>
+            <a:ext cx="10196945" cy="461665"/>
+          </a:xfrm>
+          <a:prstGeom prst="rect">
+            <a:avLst/>
+          </a:prstGeom>
+          <a:noFill/>
+        </p:spPr>
+        <p:txBody>
+          <a:bodyPr wrap="square">
+            <a:spAutoFit/>
+          </a:bodyPr>
+          <a:lstStyle/>
+          <a:p>
+            <a:r>
+              <a:rPr lang="zh-CN" altLang="en-US" sz="2400">
+                <a:solidFill>
+                  <a:schemeClr val="tx1">
+                    <a:lumMod val="75000"/>
+                    <a:lumOff val="25000"/>
+                  </a:schemeClr>
+                </a:solidFill>
+              </a:rPr>
+              <a:t>假设你没有朋友是芒果销售商，那么你就必须在朋友的朋友中查找。</a:t>
+            </a:r>
+          </a:p>
+        </p:txBody>
+      </p:sp>
       <p:pic>
         <p:nvPicPr>
-          <p:cNvPr id="3" name="图片 2">
-            <a:extLst>
-              <a:ext uri="{FF2B5EF4-FFF2-40B4-BE49-F238E27FC236}">
-                <a16:creationId xmlns:a16="http://schemas.microsoft.com/office/drawing/2014/main" id="{AAE1B4A2-6E5D-4D94-A483-FD874B5A6612}"/>
+          <p:cNvPr id="6" name="图片 5">
+            <a:extLst>
+              <a:ext uri="{FF2B5EF4-FFF2-40B4-BE49-F238E27FC236}">
+                <a16:creationId xmlns:a16="http://schemas.microsoft.com/office/drawing/2014/main" id="{CD414AF0-AE26-4537-803A-C4785A727D17}"/>
               </a:ext>
             </a:extLst>
           </p:cNvPr>
@@ -7086,8 +6869,8 @@
         </p:blipFill>
         <p:spPr>
           <a:xfrm>
-            <a:off x="3435927" y="1636867"/>
-            <a:ext cx="4802708" cy="4770860"/>
+            <a:off x="2479964" y="1865171"/>
+            <a:ext cx="5696382" cy="4162422"/>
           </a:xfrm>
           <a:prstGeom prst="rect">
             <a:avLst/>
@@ -7096,52 +6879,10 @@
       </p:pic>
       <p:sp>
         <p:nvSpPr>
-          <p:cNvPr id="4" name="文本框 3">
-            <a:extLst>
-              <a:ext uri="{FF2B5EF4-FFF2-40B4-BE49-F238E27FC236}">
-                <a16:creationId xmlns:a16="http://schemas.microsoft.com/office/drawing/2014/main" id="{A32A3315-44B6-4780-AD3F-5BE34C024FF0}"/>
-              </a:ext>
-            </a:extLst>
-          </p:cNvPr>
-          <p:cNvSpPr txBox="1"/>
-          <p:nvPr/>
-        </p:nvSpPr>
-        <p:spPr>
-          <a:xfrm>
-            <a:off x="456338" y="982525"/>
-            <a:ext cx="8638309" cy="461665"/>
-          </a:xfrm>
-          <a:prstGeom prst="rect">
-            <a:avLst/>
-          </a:prstGeom>
-          <a:noFill/>
-        </p:spPr>
-        <p:txBody>
-          <a:bodyPr wrap="square">
-            <a:spAutoFit/>
-          </a:bodyPr>
-          <a:lstStyle/>
-          <a:p>
-            <a:r>
-              <a:rPr lang="zh-CN" altLang="en-US" sz="2400">
-                <a:solidFill>
-                  <a:schemeClr val="tx1">
-                    <a:lumMod val="75000"/>
-                    <a:lumOff val="25000"/>
-                  </a:schemeClr>
-                </a:solidFill>
-              </a:rPr>
-              <a:t>然后，依次检查名单中的每个人，看看他是否是芒果销售商。</a:t>
-            </a:r>
-          </a:p>
-        </p:txBody>
-      </p:sp>
-      <p:sp>
-        <p:nvSpPr>
-          <p:cNvPr id="6" name="矩形 5">
-            <a:extLst>
-              <a:ext uri="{FF2B5EF4-FFF2-40B4-BE49-F238E27FC236}">
-                <a16:creationId xmlns:a16="http://schemas.microsoft.com/office/drawing/2014/main" id="{6D8DEAB7-B48D-B7F9-63CC-6225EC1AA72D}"/>
+          <p:cNvPr id="5" name="矩形 4">
+            <a:extLst>
+              <a:ext uri="{FF2B5EF4-FFF2-40B4-BE49-F238E27FC236}">
+                <a16:creationId xmlns:a16="http://schemas.microsoft.com/office/drawing/2014/main" id="{3363A232-922E-F149-F33A-590752657ECD}"/>
               </a:ext>
             </a:extLst>
           </p:cNvPr>
@@ -7204,7 +6945,7 @@
     </p:spTree>
     <p:extLst>
       <p:ext uri="{BB962C8B-B14F-4D97-AF65-F5344CB8AC3E}">
-        <p14:creationId xmlns:p14="http://schemas.microsoft.com/office/powerpoint/2010/main" val="904967028"/>
+        <p14:creationId xmlns:p14="http://schemas.microsoft.com/office/powerpoint/2010/main" val="3857204929"/>
       </p:ext>
     </p:extLst>
   </p:cSld>
@@ -7233,10 +6974,10 @@
       </p:grpSpPr>
       <p:sp>
         <p:nvSpPr>
-          <p:cNvPr id="3" name="文本框 2">
-            <a:extLst>
-              <a:ext uri="{FF2B5EF4-FFF2-40B4-BE49-F238E27FC236}">
-                <a16:creationId xmlns:a16="http://schemas.microsoft.com/office/drawing/2014/main" id="{1B6D54BA-9D07-4A7D-94CD-BBD3519B2C60}"/>
+          <p:cNvPr id="4" name="文本框 3">
+            <a:extLst>
+              <a:ext uri="{FF2B5EF4-FFF2-40B4-BE49-F238E27FC236}">
+                <a16:creationId xmlns:a16="http://schemas.microsoft.com/office/drawing/2014/main" id="{F75757B0-18BA-4963-A212-3EAE2A5FBC4A}"/>
               </a:ext>
             </a:extLst>
           </p:cNvPr>
@@ -7245,8 +6986,8 @@
         </p:nvSpPr>
         <p:spPr>
           <a:xfrm>
-            <a:off x="519545" y="993016"/>
-            <a:ext cx="10196945" cy="461665"/>
+            <a:off x="443345" y="1089952"/>
+            <a:ext cx="10806546" cy="830997"/>
           </a:xfrm>
           <a:prstGeom prst="rect">
             <a:avLst/>
@@ -7268,7 +7009,7 @@
                   </a:schemeClr>
                 </a:solidFill>
               </a:rPr>
-              <a:t>假设你没有朋友是芒果销售商，那么你就必须在朋友的朋友中查找。</a:t>
+              <a:t>检查名单中的每个人时，你都将其朋友加入名单。如果你的朋友有共同的朋友，则名单只需被添加一次。</a:t>
             </a:r>
           </a:p>
         </p:txBody>
@@ -7278,7 +7019,7 @@
           <p:cNvPr id="6" name="图片 5">
             <a:extLst>
               <a:ext uri="{FF2B5EF4-FFF2-40B4-BE49-F238E27FC236}">
-                <a16:creationId xmlns:a16="http://schemas.microsoft.com/office/drawing/2014/main" id="{CD414AF0-AE26-4537-803A-C4785A727D17}"/>
+                <a16:creationId xmlns:a16="http://schemas.microsoft.com/office/drawing/2014/main" id="{67842728-6702-4533-9E6D-546FAB160E3A}"/>
               </a:ext>
             </a:extLst>
           </p:cNvPr>
@@ -7295,8 +7036,8 @@
         </p:blipFill>
         <p:spPr>
           <a:xfrm>
-            <a:off x="2479964" y="1865171"/>
-            <a:ext cx="5696382" cy="4162422"/>
+            <a:off x="936048" y="2093335"/>
+            <a:ext cx="9239250" cy="2809875"/>
           </a:xfrm>
           <a:prstGeom prst="rect">
             <a:avLst/>
@@ -7308,7 +7049,7 @@
           <p:cNvPr id="5" name="矩形 4">
             <a:extLst>
               <a:ext uri="{FF2B5EF4-FFF2-40B4-BE49-F238E27FC236}">
-                <a16:creationId xmlns:a16="http://schemas.microsoft.com/office/drawing/2014/main" id="{3363A232-922E-F149-F33A-590752657ECD}"/>
+                <a16:creationId xmlns:a16="http://schemas.microsoft.com/office/drawing/2014/main" id="{692AC4CA-FA5A-F530-2678-A0C7F83D9516}"/>
               </a:ext>
             </a:extLst>
           </p:cNvPr>
@@ -7371,1022 +7112,9 @@
     </p:spTree>
     <p:extLst>
       <p:ext uri="{BB962C8B-B14F-4D97-AF65-F5344CB8AC3E}">
-        <p14:creationId xmlns:p14="http://schemas.microsoft.com/office/powerpoint/2010/main" val="3857204929"/>
-      </p:ext>
-    </p:extLst>
-  </p:cSld>
-  <p:clrMapOvr>
-    <a:masterClrMapping/>
-  </p:clrMapOvr>
-</p:sld>
-</file>
-
-<file path=ppt/slides/slide17.xml><?xml version="1.0" encoding="utf-8"?>
-<p:sld xmlns:a="http://schemas.openxmlformats.org/drawingml/2006/main" xmlns:r="http://schemas.openxmlformats.org/officeDocument/2006/relationships" xmlns:p="http://schemas.openxmlformats.org/presentationml/2006/main">
-  <p:cSld>
-    <p:spTree>
-      <p:nvGrpSpPr>
-        <p:cNvPr id="1" name=""/>
-        <p:cNvGrpSpPr/>
-        <p:nvPr/>
-      </p:nvGrpSpPr>
-      <p:grpSpPr>
-        <a:xfrm>
-          <a:off x="0" y="0"/>
-          <a:ext cx="0" cy="0"/>
-          <a:chOff x="0" y="0"/>
-          <a:chExt cx="0" cy="0"/>
-        </a:xfrm>
-      </p:grpSpPr>
-      <p:sp>
-        <p:nvSpPr>
-          <p:cNvPr id="4" name="文本框 3">
-            <a:extLst>
-              <a:ext uri="{FF2B5EF4-FFF2-40B4-BE49-F238E27FC236}">
-                <a16:creationId xmlns:a16="http://schemas.microsoft.com/office/drawing/2014/main" id="{F75757B0-18BA-4963-A212-3EAE2A5FBC4A}"/>
-              </a:ext>
-            </a:extLst>
-          </p:cNvPr>
-          <p:cNvSpPr txBox="1"/>
-          <p:nvPr/>
-        </p:nvSpPr>
-        <p:spPr>
-          <a:xfrm>
-            <a:off x="443345" y="1089952"/>
-            <a:ext cx="10806546" cy="830997"/>
-          </a:xfrm>
-          <a:prstGeom prst="rect">
-            <a:avLst/>
-          </a:prstGeom>
-          <a:noFill/>
-        </p:spPr>
-        <p:txBody>
-          <a:bodyPr wrap="square">
-            <a:spAutoFit/>
-          </a:bodyPr>
-          <a:lstStyle/>
-          <a:p>
-            <a:r>
-              <a:rPr lang="zh-CN" altLang="en-US" sz="2400">
-                <a:solidFill>
-                  <a:schemeClr val="tx1">
-                    <a:lumMod val="75000"/>
-                    <a:lumOff val="25000"/>
-                  </a:schemeClr>
-                </a:solidFill>
-              </a:rPr>
-              <a:t>检查名单中的每个人时，你都将其朋友加入名单。如果你的朋友有共同的朋友，则名单只需被添加一次。</a:t>
-            </a:r>
-          </a:p>
-        </p:txBody>
-      </p:sp>
-      <p:pic>
-        <p:nvPicPr>
-          <p:cNvPr id="6" name="图片 5">
-            <a:extLst>
-              <a:ext uri="{FF2B5EF4-FFF2-40B4-BE49-F238E27FC236}">
-                <a16:creationId xmlns:a16="http://schemas.microsoft.com/office/drawing/2014/main" id="{67842728-6702-4533-9E6D-546FAB160E3A}"/>
-              </a:ext>
-            </a:extLst>
-          </p:cNvPr>
-          <p:cNvPicPr>
-            <a:picLocks noChangeAspect="1"/>
-          </p:cNvPicPr>
-          <p:nvPr/>
-        </p:nvPicPr>
-        <p:blipFill>
-          <a:blip r:embed="rId2"/>
-          <a:stretch>
-            <a:fillRect/>
-          </a:stretch>
-        </p:blipFill>
-        <p:spPr>
-          <a:xfrm>
-            <a:off x="936048" y="2093335"/>
-            <a:ext cx="9239250" cy="2809875"/>
-          </a:xfrm>
-          <a:prstGeom prst="rect">
-            <a:avLst/>
-          </a:prstGeom>
-        </p:spPr>
-      </p:pic>
-      <p:sp>
-        <p:nvSpPr>
-          <p:cNvPr id="5" name="矩形 4">
-            <a:extLst>
-              <a:ext uri="{FF2B5EF4-FFF2-40B4-BE49-F238E27FC236}">
-                <a16:creationId xmlns:a16="http://schemas.microsoft.com/office/drawing/2014/main" id="{692AC4CA-FA5A-F530-2678-A0C7F83D9516}"/>
-              </a:ext>
-            </a:extLst>
-          </p:cNvPr>
-          <p:cNvSpPr/>
-          <p:nvPr/>
-        </p:nvSpPr>
-        <p:spPr>
-          <a:xfrm>
-            <a:off x="2089936" y="256279"/>
-            <a:ext cx="3057247" cy="523220"/>
-          </a:xfrm>
-          <a:prstGeom prst="rect">
-            <a:avLst/>
-          </a:prstGeom>
-          <a:ln/>
-        </p:spPr>
-        <p:style>
-          <a:lnRef idx="3">
-            <a:schemeClr val="lt1"/>
-          </a:lnRef>
-          <a:fillRef idx="1">
-            <a:schemeClr val="accent2"/>
-          </a:fillRef>
-          <a:effectRef idx="1">
-            <a:schemeClr val="accent2"/>
-          </a:effectRef>
-          <a:fontRef idx="minor">
-            <a:schemeClr val="lt1"/>
-          </a:fontRef>
-        </p:style>
-        <p:txBody>
-          <a:bodyPr wrap="none" lIns="91440" tIns="45720" rIns="91440" bIns="45720">
-            <a:spAutoFit/>
-          </a:bodyPr>
-          <a:lstStyle/>
-          <a:p>
-            <a:pPr algn="ctr"/>
-            <a:r>
-              <a:rPr lang="zh-CN" altLang="en-US" sz="2800" b="1" cap="none" spc="0">
-                <a:ln w="6600">
-                  <a:solidFill>
-                    <a:schemeClr val="accent2"/>
-                  </a:solidFill>
-                  <a:prstDash val="solid"/>
-                </a:ln>
-                <a:solidFill>
-                  <a:srgbClr val="FFFFFF"/>
-                </a:solidFill>
-                <a:effectLst>
-                  <a:outerShdw dist="38100" dir="2700000" algn="tl" rotWithShape="0">
-                    <a:schemeClr val="accent2"/>
-                  </a:outerShdw>
-                </a:effectLst>
-              </a:rPr>
-              <a:t>广度优先搜索思想</a:t>
-            </a:r>
-          </a:p>
-        </p:txBody>
-      </p:sp>
-    </p:spTree>
-    <p:extLst>
-      <p:ext uri="{BB962C8B-B14F-4D97-AF65-F5344CB8AC3E}">
         <p14:creationId xmlns:p14="http://schemas.microsoft.com/office/powerpoint/2010/main" val="450616903"/>
       </p:ext>
     </p:extLst>
-  </p:cSld>
-  <p:clrMapOvr>
-    <a:masterClrMapping/>
-  </p:clrMapOvr>
-</p:sld>
-</file>
-
-<file path=ppt/slides/slide18.xml><?xml version="1.0" encoding="utf-8"?>
-<p:sld xmlns:a="http://schemas.openxmlformats.org/drawingml/2006/main" xmlns:r="http://schemas.openxmlformats.org/officeDocument/2006/relationships" xmlns:p="http://schemas.openxmlformats.org/presentationml/2006/main">
-  <p:cSld>
-    <p:spTree>
-      <p:nvGrpSpPr>
-        <p:cNvPr id="1" name=""/>
-        <p:cNvGrpSpPr/>
-        <p:nvPr/>
-      </p:nvGrpSpPr>
-      <p:grpSpPr>
-        <a:xfrm>
-          <a:off x="0" y="0"/>
-          <a:ext cx="0" cy="0"/>
-          <a:chOff x="0" y="0"/>
-          <a:chExt cx="0" cy="0"/>
-        </a:xfrm>
-      </p:grpSpPr>
-      <p:sp>
-        <p:nvSpPr>
-          <p:cNvPr id="3" name="副标题 2"/>
-          <p:cNvSpPr>
-            <a:spLocks noGrp="1"/>
-          </p:cNvSpPr>
-          <p:nvPr>
-            <p:ph type="subTitle" idx="1"/>
-          </p:nvPr>
-        </p:nvSpPr>
-        <p:spPr>
-          <a:xfrm>
-            <a:off x="338361" y="1030393"/>
-            <a:ext cx="11244039" cy="1600200"/>
-          </a:xfrm>
-        </p:spPr>
-        <p:txBody>
-          <a:bodyPr>
-            <a:noAutofit/>
-          </a:bodyPr>
-          <a:lstStyle/>
-          <a:p>
-            <a:pPr algn="l"/>
-            <a:r>
-              <a:rPr lang="zh-CN" altLang="en-US">
-                <a:solidFill>
-                  <a:schemeClr val="tx1">
-                    <a:lumMod val="75000"/>
-                    <a:lumOff val="25000"/>
-                  </a:schemeClr>
-                </a:solidFill>
-                <a:sym typeface="+mn-ea"/>
-              </a:rPr>
-              <a:t>迷宫由</a:t>
-            </a:r>
-            <a:r>
-              <a:rPr lang="en-US" altLang="zh-CN">
-                <a:solidFill>
-                  <a:schemeClr val="tx1">
-                    <a:lumMod val="75000"/>
-                    <a:lumOff val="25000"/>
-                  </a:schemeClr>
-                </a:solidFill>
-                <a:sym typeface="+mn-ea"/>
-              </a:rPr>
-              <a:t>n</a:t>
-            </a:r>
-            <a:r>
-              <a:rPr lang="zh-CN" altLang="en-US">
-                <a:solidFill>
-                  <a:schemeClr val="tx1">
-                    <a:lumMod val="75000"/>
-                    <a:lumOff val="25000"/>
-                  </a:schemeClr>
-                </a:solidFill>
-                <a:sym typeface="+mn-ea"/>
-              </a:rPr>
-              <a:t>行</a:t>
-            </a:r>
-            <a:r>
-              <a:rPr lang="en-US" altLang="zh-CN" dirty="0">
-                <a:solidFill>
-                  <a:schemeClr val="tx1">
-                    <a:lumMod val="75000"/>
-                    <a:lumOff val="25000"/>
-                  </a:schemeClr>
-                </a:solidFill>
-                <a:sym typeface="+mn-ea"/>
-              </a:rPr>
-              <a:t>m</a:t>
-            </a:r>
-            <a:r>
-              <a:rPr lang="zh-CN" altLang="en-US" dirty="0">
-                <a:solidFill>
-                  <a:schemeClr val="tx1">
-                    <a:lumMod val="75000"/>
-                    <a:lumOff val="25000"/>
-                  </a:schemeClr>
-                </a:solidFill>
-                <a:sym typeface="+mn-ea"/>
-              </a:rPr>
-              <a:t>列的单元格</a:t>
-            </a:r>
-            <a:r>
-              <a:rPr lang="zh-CN" altLang="en-US">
-                <a:solidFill>
-                  <a:schemeClr val="tx1">
-                    <a:lumMod val="75000"/>
-                    <a:lumOff val="25000"/>
-                  </a:schemeClr>
-                </a:solidFill>
-                <a:sym typeface="+mn-ea"/>
-              </a:rPr>
-              <a:t>组成（</a:t>
-            </a:r>
-            <a:r>
-              <a:rPr lang="en-US" altLang="zh-CN">
-                <a:solidFill>
-                  <a:schemeClr val="tx1">
-                    <a:lumMod val="75000"/>
-                    <a:lumOff val="25000"/>
-                  </a:schemeClr>
-                </a:solidFill>
-                <a:sym typeface="+mn-ea"/>
-              </a:rPr>
-              <a:t>n</a:t>
-            </a:r>
-            <a:r>
-              <a:rPr lang="zh-CN" altLang="en-US">
-                <a:solidFill>
-                  <a:schemeClr val="tx1">
-                    <a:lumMod val="75000"/>
-                    <a:lumOff val="25000"/>
-                  </a:schemeClr>
-                </a:solidFill>
-                <a:sym typeface="+mn-ea"/>
-              </a:rPr>
-              <a:t>和</a:t>
-            </a:r>
-            <a:r>
-              <a:rPr lang="en-US" altLang="zh-CN" dirty="0">
-                <a:solidFill>
-                  <a:schemeClr val="tx1">
-                    <a:lumMod val="75000"/>
-                    <a:lumOff val="25000"/>
-                  </a:schemeClr>
-                </a:solidFill>
-                <a:sym typeface="+mn-ea"/>
-              </a:rPr>
-              <a:t>m</a:t>
-            </a:r>
-            <a:r>
-              <a:rPr lang="zh-CN" altLang="en-US" dirty="0">
-                <a:solidFill>
-                  <a:schemeClr val="tx1">
-                    <a:lumMod val="75000"/>
-                    <a:lumOff val="25000"/>
-                  </a:schemeClr>
-                </a:solidFill>
-                <a:sym typeface="+mn-ea"/>
-              </a:rPr>
-              <a:t>都</a:t>
-            </a:r>
-            <a:r>
-              <a:rPr lang="zh-CN" altLang="en-US">
-                <a:solidFill>
-                  <a:schemeClr val="tx1">
-                    <a:lumMod val="75000"/>
-                    <a:lumOff val="25000"/>
-                  </a:schemeClr>
-                </a:solidFill>
-                <a:sym typeface="+mn-ea"/>
-              </a:rPr>
-              <a:t>小于等于</a:t>
-            </a:r>
-            <a:r>
-              <a:rPr lang="en-US" altLang="zh-CN" dirty="0">
-                <a:solidFill>
-                  <a:schemeClr val="tx1">
-                    <a:lumMod val="75000"/>
-                    <a:lumOff val="25000"/>
-                  </a:schemeClr>
-                </a:solidFill>
-                <a:sym typeface="+mn-ea"/>
-              </a:rPr>
-              <a:t>50</a:t>
-            </a:r>
-            <a:r>
-              <a:rPr lang="zh-CN" altLang="en-US" dirty="0">
-                <a:solidFill>
-                  <a:schemeClr val="tx1">
-                    <a:lumMod val="75000"/>
-                    <a:lumOff val="25000"/>
-                  </a:schemeClr>
-                </a:solidFill>
-                <a:sym typeface="+mn-ea"/>
-              </a:rPr>
-              <a:t>），每个单元格要么是空地，要么是障碍物。你的任务是找到一条从迷宫的</a:t>
-            </a:r>
-            <a:r>
-              <a:rPr lang="zh-CN" altLang="en-US">
-                <a:solidFill>
-                  <a:schemeClr val="tx1">
-                    <a:lumMod val="75000"/>
-                    <a:lumOff val="25000"/>
-                  </a:schemeClr>
-                </a:solidFill>
-                <a:sym typeface="+mn-ea"/>
-              </a:rPr>
-              <a:t>起点通往</a:t>
-            </a:r>
-            <a:r>
-              <a:rPr lang="en-US" altLang="zh-CN" dirty="0">
-                <a:solidFill>
-                  <a:schemeClr val="tx1">
-                    <a:lumMod val="75000"/>
-                    <a:lumOff val="25000"/>
-                  </a:schemeClr>
-                </a:solidFill>
-                <a:sym typeface="+mn-ea"/>
-              </a:rPr>
-              <a:t>A</a:t>
-            </a:r>
-            <a:r>
-              <a:rPr lang="zh-CN" altLang="en-US" dirty="0">
-                <a:solidFill>
-                  <a:schemeClr val="tx1">
-                    <a:lumMod val="75000"/>
-                    <a:lumOff val="25000"/>
-                  </a:schemeClr>
-                </a:solidFill>
-                <a:sym typeface="+mn-ea"/>
-              </a:rPr>
-              <a:t>同学所在位置的最短路径，最终需要几步。注意障碍物是不能走的，当然也不能走到迷宫之外。</a:t>
-            </a:r>
-          </a:p>
-          <a:p>
-            <a:pPr algn="l"/>
-            <a:endParaRPr lang="zh-CN" altLang="en-US" dirty="0">
-              <a:solidFill>
-                <a:schemeClr val="tx1">
-                  <a:lumMod val="75000"/>
-                  <a:lumOff val="25000"/>
-                </a:schemeClr>
-              </a:solidFill>
-              <a:sym typeface="+mn-ea"/>
-            </a:endParaRPr>
-          </a:p>
-          <a:p>
-            <a:pPr algn="l"/>
-            <a:endParaRPr lang="zh-CN" altLang="en-US" sz="1600" dirty="0">
-              <a:solidFill>
-                <a:schemeClr val="accent1">
-                  <a:lumMod val="50000"/>
-                </a:schemeClr>
-              </a:solidFill>
-              <a:sym typeface="+mn-ea"/>
-            </a:endParaRPr>
-          </a:p>
-        </p:txBody>
-      </p:sp>
-      <p:pic>
-        <p:nvPicPr>
-          <p:cNvPr id="4" name="图片 3"/>
-          <p:cNvPicPr>
-            <a:picLocks noChangeAspect="1"/>
-          </p:cNvPicPr>
-          <p:nvPr/>
-        </p:nvPicPr>
-        <p:blipFill>
-          <a:blip r:embed="rId2"/>
-          <a:stretch>
-            <a:fillRect/>
-          </a:stretch>
-        </p:blipFill>
-        <p:spPr>
-          <a:xfrm>
-            <a:off x="4211781" y="2356226"/>
-            <a:ext cx="3396442" cy="3742363"/>
-          </a:xfrm>
-          <a:prstGeom prst="rect">
-            <a:avLst/>
-          </a:prstGeom>
-        </p:spPr>
-      </p:pic>
-      <p:sp>
-        <p:nvSpPr>
-          <p:cNvPr id="5" name="矩形 4">
-            <a:extLst>
-              <a:ext uri="{FF2B5EF4-FFF2-40B4-BE49-F238E27FC236}">
-                <a16:creationId xmlns:a16="http://schemas.microsoft.com/office/drawing/2014/main" id="{778F559A-5728-E087-87F8-46CFAD9C3790}"/>
-              </a:ext>
-            </a:extLst>
-          </p:cNvPr>
-          <p:cNvSpPr/>
-          <p:nvPr/>
-        </p:nvSpPr>
-        <p:spPr>
-          <a:xfrm>
-            <a:off x="2117332" y="279725"/>
-            <a:ext cx="1861407" cy="523220"/>
-          </a:xfrm>
-          <a:prstGeom prst="rect">
-            <a:avLst/>
-          </a:prstGeom>
-          <a:ln/>
-        </p:spPr>
-        <p:style>
-          <a:lnRef idx="3">
-            <a:schemeClr val="lt1"/>
-          </a:lnRef>
-          <a:fillRef idx="1">
-            <a:schemeClr val="accent2"/>
-          </a:fillRef>
-          <a:effectRef idx="1">
-            <a:schemeClr val="accent2"/>
-          </a:effectRef>
-          <a:fontRef idx="minor">
-            <a:schemeClr val="lt1"/>
-          </a:fontRef>
-        </p:style>
-        <p:txBody>
-          <a:bodyPr wrap="none" lIns="91440" tIns="45720" rIns="91440" bIns="45720">
-            <a:spAutoFit/>
-          </a:bodyPr>
-          <a:lstStyle/>
-          <a:p>
-            <a:pPr algn="ctr"/>
-            <a:r>
-              <a:rPr lang="zh-CN" altLang="en-US" sz="2800" b="1" cap="none" spc="0">
-                <a:ln w="6600">
-                  <a:solidFill>
-                    <a:schemeClr val="accent2"/>
-                  </a:solidFill>
-                  <a:prstDash val="solid"/>
-                </a:ln>
-                <a:solidFill>
-                  <a:srgbClr val="FFFFFF"/>
-                </a:solidFill>
-                <a:effectLst>
-                  <a:outerShdw dist="38100" dir="2700000" algn="tl" rotWithShape="0">
-                    <a:schemeClr val="accent2"/>
-                  </a:outerShdw>
-                </a:effectLst>
-              </a:rPr>
-              <a:t>解救</a:t>
-            </a:r>
-            <a:r>
-              <a:rPr lang="en-US" altLang="zh-CN" sz="2800" b="1" cap="none" spc="0">
-                <a:ln w="6600">
-                  <a:solidFill>
-                    <a:schemeClr val="accent2"/>
-                  </a:solidFill>
-                  <a:prstDash val="solid"/>
-                </a:ln>
-                <a:solidFill>
-                  <a:srgbClr val="FFFFFF"/>
-                </a:solidFill>
-                <a:effectLst>
-                  <a:outerShdw dist="38100" dir="2700000" algn="tl" rotWithShape="0">
-                    <a:schemeClr val="accent2"/>
-                  </a:outerShdw>
-                </a:effectLst>
-              </a:rPr>
-              <a:t>A</a:t>
-            </a:r>
-            <a:r>
-              <a:rPr lang="zh-CN" altLang="en-US" sz="2800" b="1" cap="none" spc="0">
-                <a:ln w="6600">
-                  <a:solidFill>
-                    <a:schemeClr val="accent2"/>
-                  </a:solidFill>
-                  <a:prstDash val="solid"/>
-                </a:ln>
-                <a:solidFill>
-                  <a:srgbClr val="FFFFFF"/>
-                </a:solidFill>
-                <a:effectLst>
-                  <a:outerShdw dist="38100" dir="2700000" algn="tl" rotWithShape="0">
-                    <a:schemeClr val="accent2"/>
-                  </a:outerShdw>
-                </a:effectLst>
-              </a:rPr>
-              <a:t>同学</a:t>
-            </a:r>
-          </a:p>
-        </p:txBody>
-      </p:sp>
-    </p:spTree>
-  </p:cSld>
-  <p:clrMapOvr>
-    <a:masterClrMapping/>
-  </p:clrMapOvr>
-</p:sld>
-</file>
-
-<file path=ppt/slides/slide19.xml><?xml version="1.0" encoding="utf-8"?>
-<p:sld xmlns:a="http://schemas.openxmlformats.org/drawingml/2006/main" xmlns:r="http://schemas.openxmlformats.org/officeDocument/2006/relationships" xmlns:p="http://schemas.openxmlformats.org/presentationml/2006/main">
-  <p:cSld>
-    <p:spTree>
-      <p:nvGrpSpPr>
-        <p:cNvPr id="1" name=""/>
-        <p:cNvGrpSpPr/>
-        <p:nvPr/>
-      </p:nvGrpSpPr>
-      <p:grpSpPr>
-        <a:xfrm>
-          <a:off x="0" y="0"/>
-          <a:ext cx="0" cy="0"/>
-          <a:chOff x="0" y="0"/>
-          <a:chExt cx="0" cy="0"/>
-        </a:xfrm>
-      </p:grpSpPr>
-      <p:sp>
-        <p:nvSpPr>
-          <p:cNvPr id="3" name="副标题 2"/>
-          <p:cNvSpPr>
-            <a:spLocks noGrp="1"/>
-          </p:cNvSpPr>
-          <p:nvPr>
-            <p:ph type="subTitle" idx="1"/>
-          </p:nvPr>
-        </p:nvSpPr>
-        <p:spPr>
-          <a:xfrm>
-            <a:off x="297334" y="983287"/>
-            <a:ext cx="11597332" cy="2310553"/>
-          </a:xfrm>
-        </p:spPr>
-        <p:txBody>
-          <a:bodyPr>
-            <a:noAutofit/>
-          </a:bodyPr>
-          <a:lstStyle/>
-          <a:p>
-            <a:pPr algn="l"/>
-            <a:r>
-              <a:rPr lang="zh-CN" altLang="en-US" sz="2133" dirty="0">
-                <a:solidFill>
-                  <a:schemeClr val="accent1">
-                    <a:lumMod val="50000"/>
-                  </a:schemeClr>
-                </a:solidFill>
-                <a:sym typeface="+mn-ea"/>
-              </a:rPr>
-              <a:t>　　</a:t>
-            </a:r>
-            <a:r>
-              <a:rPr lang="zh-CN" altLang="en-US" dirty="0">
-                <a:solidFill>
-                  <a:schemeClr val="tx1">
-                    <a:lumMod val="75000"/>
-                    <a:lumOff val="25000"/>
-                  </a:schemeClr>
-                </a:solidFill>
-                <a:sym typeface="+mn-ea"/>
-              </a:rPr>
-              <a:t>我们用一个二维数组来存储这个迷宫。最开始的时候我们在</a:t>
-            </a:r>
-            <a:r>
-              <a:rPr lang="zh-CN" altLang="en-US">
-                <a:solidFill>
-                  <a:schemeClr val="tx1">
-                    <a:lumMod val="75000"/>
-                    <a:lumOff val="25000"/>
-                  </a:schemeClr>
-                </a:solidFill>
-                <a:sym typeface="+mn-ea"/>
-              </a:rPr>
-              <a:t>迷宫（</a:t>
-            </a:r>
-            <a:r>
-              <a:rPr lang="en-US" altLang="zh-CN" dirty="0">
-                <a:solidFill>
-                  <a:schemeClr val="tx1">
-                    <a:lumMod val="75000"/>
-                    <a:lumOff val="25000"/>
-                  </a:schemeClr>
-                </a:solidFill>
-                <a:sym typeface="+mn-ea"/>
-              </a:rPr>
-              <a:t>1,1</a:t>
-            </a:r>
-            <a:r>
-              <a:rPr lang="zh-CN" altLang="en-US" dirty="0">
-                <a:solidFill>
-                  <a:schemeClr val="tx1">
-                    <a:lumMod val="75000"/>
-                    <a:lumOff val="25000"/>
-                  </a:schemeClr>
-                </a:solidFill>
-                <a:sym typeface="+mn-ea"/>
-              </a:rPr>
-              <a:t>）处，可以往右走或者往下走。“一层一层”扩展的方法</a:t>
-            </a:r>
-            <a:r>
-              <a:rPr lang="zh-CN" altLang="en-US">
-                <a:solidFill>
-                  <a:schemeClr val="tx1">
-                    <a:lumMod val="75000"/>
-                    <a:lumOff val="25000"/>
-                  </a:schemeClr>
-                </a:solidFill>
-                <a:sym typeface="+mn-ea"/>
-              </a:rPr>
-              <a:t>来找到</a:t>
-            </a:r>
-            <a:r>
-              <a:rPr lang="en-US" altLang="zh-CN" dirty="0">
-                <a:solidFill>
-                  <a:schemeClr val="tx1">
-                    <a:lumMod val="75000"/>
-                    <a:lumOff val="25000"/>
-                  </a:schemeClr>
-                </a:solidFill>
-                <a:sym typeface="+mn-ea"/>
-              </a:rPr>
-              <a:t>A</a:t>
-            </a:r>
-            <a:r>
-              <a:rPr lang="zh-CN" altLang="en-US" dirty="0">
-                <a:solidFill>
-                  <a:schemeClr val="tx1">
-                    <a:lumMod val="75000"/>
-                    <a:lumOff val="25000"/>
-                  </a:schemeClr>
-                </a:solidFill>
-                <a:sym typeface="+mn-ea"/>
-              </a:rPr>
-              <a:t>同学。扩展时每发现一个点就将这个点加入到队列中，</a:t>
-            </a:r>
-            <a:r>
-              <a:rPr lang="zh-CN" altLang="en-US">
-                <a:solidFill>
-                  <a:schemeClr val="tx1">
-                    <a:lumMod val="75000"/>
-                    <a:lumOff val="25000"/>
-                  </a:schemeClr>
-                </a:solidFill>
-                <a:sym typeface="+mn-ea"/>
-              </a:rPr>
-              <a:t>直至走到</a:t>
-            </a:r>
-            <a:r>
-              <a:rPr lang="en-US" altLang="zh-CN" dirty="0">
-                <a:solidFill>
-                  <a:schemeClr val="tx1">
-                    <a:lumMod val="75000"/>
-                    <a:lumOff val="25000"/>
-                  </a:schemeClr>
-                </a:solidFill>
-                <a:sym typeface="+mn-ea"/>
-              </a:rPr>
-              <a:t>A</a:t>
-            </a:r>
-            <a:r>
-              <a:rPr lang="zh-CN" altLang="en-US" dirty="0">
-                <a:solidFill>
-                  <a:schemeClr val="tx1">
-                    <a:lumMod val="75000"/>
-                    <a:lumOff val="25000"/>
-                  </a:schemeClr>
-                </a:solidFill>
-                <a:sym typeface="+mn-ea"/>
-              </a:rPr>
-              <a:t>同学</a:t>
-            </a:r>
-            <a:r>
-              <a:rPr lang="zh-CN" altLang="en-US">
-                <a:solidFill>
-                  <a:schemeClr val="tx1">
-                    <a:lumMod val="75000"/>
-                    <a:lumOff val="25000"/>
-                  </a:schemeClr>
-                </a:solidFill>
-                <a:sym typeface="+mn-ea"/>
-              </a:rPr>
-              <a:t>的位置</a:t>
-            </a:r>
-            <a:r>
-              <a:rPr lang="en-US" altLang="zh-CN" dirty="0">
-                <a:solidFill>
-                  <a:schemeClr val="tx1">
-                    <a:lumMod val="75000"/>
-                    <a:lumOff val="25000"/>
-                  </a:schemeClr>
-                </a:solidFill>
-                <a:sym typeface="+mn-ea"/>
-              </a:rPr>
-              <a:t>(p,q)</a:t>
-            </a:r>
-            <a:r>
-              <a:rPr lang="zh-CN" altLang="en-US" dirty="0">
-                <a:solidFill>
-                  <a:schemeClr val="tx1">
-                    <a:lumMod val="75000"/>
-                    <a:lumOff val="25000"/>
-                  </a:schemeClr>
-                </a:solidFill>
-                <a:sym typeface="+mn-ea"/>
-              </a:rPr>
-              <a:t>时为止，具体如下。</a:t>
-            </a:r>
-          </a:p>
-          <a:p>
-            <a:pPr algn="l"/>
-            <a:r>
-              <a:rPr lang="zh-CN" altLang="en-US">
-                <a:solidFill>
-                  <a:schemeClr val="tx1">
-                    <a:lumMod val="75000"/>
-                    <a:lumOff val="25000"/>
-                  </a:schemeClr>
-                </a:solidFill>
-                <a:sym typeface="+mn-ea"/>
-              </a:rPr>
-              <a:t>      最</a:t>
-            </a:r>
-            <a:r>
-              <a:rPr lang="zh-CN" altLang="en-US" dirty="0">
-                <a:solidFill>
-                  <a:schemeClr val="tx1">
-                    <a:lumMod val="75000"/>
-                    <a:lumOff val="25000"/>
-                  </a:schemeClr>
-                </a:solidFill>
-                <a:sym typeface="+mn-ea"/>
-              </a:rPr>
-              <a:t>开始我们在</a:t>
-            </a:r>
-            <a:r>
-              <a:rPr lang="zh-CN" altLang="en-US">
-                <a:solidFill>
-                  <a:schemeClr val="tx1">
-                    <a:lumMod val="75000"/>
-                    <a:lumOff val="25000"/>
-                  </a:schemeClr>
-                </a:solidFill>
-                <a:sym typeface="+mn-ea"/>
-              </a:rPr>
-              <a:t>入口（</a:t>
-            </a:r>
-            <a:r>
-              <a:rPr lang="en-US" altLang="zh-CN" dirty="0">
-                <a:solidFill>
-                  <a:schemeClr val="tx1">
-                    <a:lumMod val="75000"/>
-                    <a:lumOff val="25000"/>
-                  </a:schemeClr>
-                </a:solidFill>
-                <a:sym typeface="+mn-ea"/>
-              </a:rPr>
-              <a:t>1,1</a:t>
-            </a:r>
-            <a:r>
-              <a:rPr lang="zh-CN" altLang="en-US" dirty="0">
-                <a:solidFill>
-                  <a:schemeClr val="tx1">
-                    <a:lumMod val="75000"/>
-                    <a:lumOff val="25000"/>
-                  </a:schemeClr>
-                </a:solidFill>
-                <a:sym typeface="+mn-ea"/>
-              </a:rPr>
-              <a:t>）处， 一步之内可以到达的点有</a:t>
-            </a:r>
-            <a:r>
-              <a:rPr lang="zh-CN" altLang="en-US">
-                <a:solidFill>
-                  <a:schemeClr val="tx1">
-                    <a:lumMod val="75000"/>
-                    <a:lumOff val="25000"/>
-                  </a:schemeClr>
-                </a:solidFill>
-                <a:sym typeface="+mn-ea"/>
-              </a:rPr>
-              <a:t>（ </a:t>
-            </a:r>
-            <a:r>
-              <a:rPr lang="en-US" altLang="zh-CN" dirty="0">
-                <a:solidFill>
-                  <a:schemeClr val="tx1">
-                    <a:lumMod val="75000"/>
-                    <a:lumOff val="25000"/>
-                  </a:schemeClr>
-                </a:solidFill>
-                <a:sym typeface="+mn-ea"/>
-              </a:rPr>
-              <a:t>1,2</a:t>
-            </a:r>
-            <a:r>
-              <a:rPr lang="zh-CN" altLang="en-US" dirty="0">
-                <a:solidFill>
-                  <a:schemeClr val="tx1">
-                    <a:lumMod val="75000"/>
-                    <a:lumOff val="25000"/>
-                  </a:schemeClr>
-                </a:solidFill>
-                <a:sym typeface="+mn-ea"/>
-              </a:rPr>
-              <a:t>）</a:t>
-            </a:r>
-            <a:r>
-              <a:rPr lang="zh-CN" altLang="en-US">
-                <a:solidFill>
-                  <a:schemeClr val="tx1">
-                    <a:lumMod val="75000"/>
-                    <a:lumOff val="25000"/>
-                  </a:schemeClr>
-                </a:solidFill>
-                <a:sym typeface="+mn-ea"/>
-              </a:rPr>
-              <a:t>和（</a:t>
-            </a:r>
-            <a:r>
-              <a:rPr lang="en-US" altLang="zh-CN" dirty="0">
-                <a:solidFill>
-                  <a:schemeClr val="tx1">
-                    <a:lumMod val="75000"/>
-                    <a:lumOff val="25000"/>
-                  </a:schemeClr>
-                </a:solidFill>
-                <a:sym typeface="+mn-ea"/>
-              </a:rPr>
-              <a:t>2,1</a:t>
-            </a:r>
-            <a:r>
-              <a:rPr lang="zh-CN" altLang="en-US" dirty="0">
-                <a:solidFill>
-                  <a:schemeClr val="tx1">
-                    <a:lumMod val="75000"/>
-                    <a:lumOff val="25000"/>
-                  </a:schemeClr>
-                </a:solidFill>
-                <a:sym typeface="+mn-ea"/>
-              </a:rPr>
-              <a:t>）。</a:t>
-            </a:r>
-          </a:p>
-          <a:p>
-            <a:pPr algn="l"/>
-            <a:endParaRPr lang="zh-CN" altLang="en-US" sz="1600" dirty="0">
-              <a:solidFill>
-                <a:schemeClr val="accent1">
-                  <a:lumMod val="50000"/>
-                </a:schemeClr>
-              </a:solidFill>
-              <a:sym typeface="+mn-ea"/>
-            </a:endParaRPr>
-          </a:p>
-        </p:txBody>
-      </p:sp>
-      <p:pic>
-        <p:nvPicPr>
-          <p:cNvPr id="2" name="图片 1"/>
-          <p:cNvPicPr>
-            <a:picLocks noChangeAspect="1"/>
-          </p:cNvPicPr>
-          <p:nvPr/>
-        </p:nvPicPr>
-        <p:blipFill>
-          <a:blip r:embed="rId2"/>
-          <a:stretch>
-            <a:fillRect/>
-          </a:stretch>
-        </p:blipFill>
-        <p:spPr>
-          <a:xfrm>
-            <a:off x="6338455" y="2778222"/>
-            <a:ext cx="3810000" cy="3505200"/>
-          </a:xfrm>
-          <a:prstGeom prst="rect">
-            <a:avLst/>
-          </a:prstGeom>
-        </p:spPr>
-      </p:pic>
-      <p:sp>
-        <p:nvSpPr>
-          <p:cNvPr id="5" name="矩形 4">
-            <a:extLst>
-              <a:ext uri="{FF2B5EF4-FFF2-40B4-BE49-F238E27FC236}">
-                <a16:creationId xmlns:a16="http://schemas.microsoft.com/office/drawing/2014/main" id="{BF9F71FD-CA98-26FD-4ADF-2A26CEB2D03C}"/>
-              </a:ext>
-            </a:extLst>
-          </p:cNvPr>
-          <p:cNvSpPr/>
-          <p:nvPr/>
-        </p:nvSpPr>
-        <p:spPr>
-          <a:xfrm>
-            <a:off x="2081249" y="252256"/>
-            <a:ext cx="1620957" cy="523220"/>
-          </a:xfrm>
-          <a:prstGeom prst="rect">
-            <a:avLst/>
-          </a:prstGeom>
-          <a:ln/>
-        </p:spPr>
-        <p:style>
-          <a:lnRef idx="3">
-            <a:schemeClr val="lt1"/>
-          </a:lnRef>
-          <a:fillRef idx="1">
-            <a:schemeClr val="accent2"/>
-          </a:fillRef>
-          <a:effectRef idx="1">
-            <a:schemeClr val="accent2"/>
-          </a:effectRef>
-          <a:fontRef idx="minor">
-            <a:schemeClr val="lt1"/>
-          </a:fontRef>
-        </p:style>
-        <p:txBody>
-          <a:bodyPr wrap="none" lIns="91440" tIns="45720" rIns="91440" bIns="45720">
-            <a:spAutoFit/>
-          </a:bodyPr>
-          <a:lstStyle/>
-          <a:p>
-            <a:pPr algn="ctr"/>
-            <a:r>
-              <a:rPr lang="zh-CN" altLang="en-US" sz="2800" b="1" cap="none" spc="0">
-                <a:ln w="6600">
-                  <a:solidFill>
-                    <a:schemeClr val="accent2"/>
-                  </a:solidFill>
-                  <a:prstDash val="solid"/>
-                </a:ln>
-                <a:solidFill>
-                  <a:srgbClr val="FFFFFF"/>
-                </a:solidFill>
-                <a:effectLst>
-                  <a:outerShdw dist="38100" dir="2700000" algn="tl" rotWithShape="0">
-                    <a:schemeClr val="accent2"/>
-                  </a:outerShdw>
-                </a:effectLst>
-              </a:rPr>
-              <a:t>算法分析</a:t>
-            </a:r>
-          </a:p>
-        </p:txBody>
-      </p:sp>
-    </p:spTree>
   </p:cSld>
   <p:clrMapOvr>
     <a:masterClrMapping/>
@@ -8610,1854 +7338,6 @@
         <p14:creationId xmlns:p14="http://schemas.microsoft.com/office/powerpoint/2010/main" val="575853593"/>
       </p:ext>
     </p:extLst>
-  </p:cSld>
-  <p:clrMapOvr>
-    <a:masterClrMapping/>
-  </p:clrMapOvr>
-</p:sld>
-</file>
-
-<file path=ppt/slides/slide20.xml><?xml version="1.0" encoding="utf-8"?>
-<p:sld xmlns:a="http://schemas.openxmlformats.org/drawingml/2006/main" xmlns:r="http://schemas.openxmlformats.org/officeDocument/2006/relationships" xmlns:p="http://schemas.openxmlformats.org/presentationml/2006/main">
-  <p:cSld>
-    <p:spTree>
-      <p:nvGrpSpPr>
-        <p:cNvPr id="1" name=""/>
-        <p:cNvGrpSpPr/>
-        <p:nvPr/>
-      </p:nvGrpSpPr>
-      <p:grpSpPr>
-        <a:xfrm>
-          <a:off x="0" y="0"/>
-          <a:ext cx="0" cy="0"/>
-          <a:chOff x="0" y="0"/>
-          <a:chExt cx="0" cy="0"/>
-        </a:xfrm>
-      </p:grpSpPr>
-      <p:sp>
-        <p:nvSpPr>
-          <p:cNvPr id="3" name="副标题 2"/>
-          <p:cNvSpPr>
-            <a:spLocks noGrp="1"/>
-          </p:cNvSpPr>
-          <p:nvPr>
-            <p:ph type="subTitle" idx="1"/>
-          </p:nvPr>
-        </p:nvSpPr>
-        <p:spPr>
-          <a:xfrm>
-            <a:off x="532323" y="1049790"/>
-            <a:ext cx="10939241" cy="2197100"/>
-          </a:xfrm>
-        </p:spPr>
-        <p:txBody>
-          <a:bodyPr>
-            <a:noAutofit/>
-          </a:bodyPr>
-          <a:lstStyle/>
-          <a:p>
-            <a:pPr algn="l"/>
-            <a:r>
-              <a:rPr>
-                <a:solidFill>
-                  <a:schemeClr val="tx1">
-                    <a:lumMod val="75000"/>
-                    <a:lumOff val="25000"/>
-                  </a:schemeClr>
-                </a:solidFill>
-                <a:sym typeface="+mn-ea"/>
-              </a:rPr>
-              <a:t>但是</a:t>
-            </a:r>
-            <a:r>
-              <a:rPr lang="en-US" dirty="0">
-                <a:solidFill>
-                  <a:schemeClr val="tx1">
-                    <a:lumMod val="75000"/>
-                    <a:lumOff val="25000"/>
-                  </a:schemeClr>
-                </a:solidFill>
-                <a:sym typeface="+mn-ea"/>
-              </a:rPr>
-              <a:t>A</a:t>
-            </a:r>
-            <a:r>
-              <a:rPr lang="zh-CN" altLang="en-US" dirty="0">
-                <a:solidFill>
-                  <a:schemeClr val="tx1">
-                    <a:lumMod val="75000"/>
-                    <a:lumOff val="25000"/>
-                  </a:schemeClr>
-                </a:solidFill>
-                <a:sym typeface="+mn-ea"/>
-              </a:rPr>
-              <a:t>同学</a:t>
-            </a:r>
-            <a:r>
-              <a:rPr dirty="0">
-                <a:solidFill>
-                  <a:schemeClr val="tx1">
-                    <a:lumMod val="75000"/>
-                    <a:lumOff val="25000"/>
-                  </a:schemeClr>
-                </a:solidFill>
-                <a:sym typeface="+mn-ea"/>
-              </a:rPr>
-              <a:t>并不在这两个点上， 那</a:t>
-            </a:r>
-            <a:r>
-              <a:rPr lang="zh-CN" altLang="en-US" dirty="0">
-                <a:solidFill>
-                  <a:schemeClr val="tx1">
-                    <a:lumMod val="75000"/>
-                    <a:lumOff val="25000"/>
-                  </a:schemeClr>
-                </a:solidFill>
-                <a:sym typeface="+mn-ea"/>
-              </a:rPr>
-              <a:t>我们</a:t>
-            </a:r>
-            <a:r>
-              <a:rPr dirty="0">
-                <a:solidFill>
-                  <a:schemeClr val="tx1">
-                    <a:lumMod val="75000"/>
-                    <a:lumOff val="25000"/>
-                  </a:schemeClr>
-                </a:solidFill>
-                <a:sym typeface="+mn-ea"/>
-              </a:rPr>
-              <a:t>只能通过</a:t>
-            </a:r>
-            <a:r>
-              <a:rPr>
-                <a:solidFill>
-                  <a:schemeClr val="tx1">
-                    <a:lumMod val="75000"/>
-                    <a:lumOff val="25000"/>
-                  </a:schemeClr>
-                </a:solidFill>
-                <a:sym typeface="+mn-ea"/>
-              </a:rPr>
-              <a:t>（1</a:t>
-            </a:r>
-            <a:r>
-              <a:rPr lang="zh-CN" altLang="en-US">
-                <a:solidFill>
-                  <a:schemeClr val="tx1">
-                    <a:lumMod val="75000"/>
-                    <a:lumOff val="25000"/>
-                  </a:schemeClr>
-                </a:solidFill>
-                <a:sym typeface="+mn-ea"/>
-              </a:rPr>
-              <a:t>，</a:t>
-            </a:r>
-            <a:r>
-              <a:rPr>
-                <a:solidFill>
-                  <a:schemeClr val="tx1">
-                    <a:lumMod val="75000"/>
-                    <a:lumOff val="25000"/>
-                  </a:schemeClr>
-                </a:solidFill>
-                <a:sym typeface="+mn-ea"/>
-              </a:rPr>
-              <a:t>2</a:t>
-            </a:r>
-            <a:r>
-              <a:rPr dirty="0">
-                <a:solidFill>
-                  <a:schemeClr val="tx1">
-                    <a:lumMod val="75000"/>
-                    <a:lumOff val="25000"/>
-                  </a:schemeClr>
-                </a:solidFill>
-                <a:sym typeface="+mn-ea"/>
-              </a:rPr>
-              <a:t>）和</a:t>
-            </a:r>
-            <a:r>
-              <a:rPr>
-                <a:solidFill>
-                  <a:schemeClr val="tx1">
-                    <a:lumMod val="75000"/>
-                    <a:lumOff val="25000"/>
-                  </a:schemeClr>
-                </a:solidFill>
-                <a:sym typeface="+mn-ea"/>
-              </a:rPr>
-              <a:t>（2</a:t>
-            </a:r>
-            <a:r>
-              <a:rPr lang="zh-CN" altLang="en-US">
-                <a:solidFill>
-                  <a:schemeClr val="tx1">
-                    <a:lumMod val="75000"/>
-                    <a:lumOff val="25000"/>
-                  </a:schemeClr>
-                </a:solidFill>
-                <a:sym typeface="+mn-ea"/>
-              </a:rPr>
-              <a:t>，</a:t>
-            </a:r>
-            <a:r>
-              <a:rPr lang="en-US">
-                <a:solidFill>
-                  <a:schemeClr val="tx1">
-                    <a:lumMod val="75000"/>
-                    <a:lumOff val="25000"/>
-                  </a:schemeClr>
-                </a:solidFill>
-                <a:sym typeface="+mn-ea"/>
-              </a:rPr>
-              <a:t>1</a:t>
-            </a:r>
-            <a:r>
-              <a:rPr>
-                <a:solidFill>
-                  <a:schemeClr val="tx1">
-                    <a:lumMod val="75000"/>
-                    <a:lumOff val="25000"/>
-                  </a:schemeClr>
-                </a:solidFill>
-                <a:sym typeface="+mn-ea"/>
-              </a:rPr>
-              <a:t>）</a:t>
-            </a:r>
-            <a:r>
-              <a:rPr dirty="0">
-                <a:solidFill>
-                  <a:schemeClr val="tx1">
-                    <a:lumMod val="75000"/>
-                    <a:lumOff val="25000"/>
-                  </a:schemeClr>
-                </a:solidFill>
-                <a:sym typeface="+mn-ea"/>
-              </a:rPr>
-              <a:t>这两点继续往下走。比如现在走到了（1,2）这个点，之后又能够到达哪些新的点呢？有（2,2）。再看看通过（2,1 ）又可以到达哪些点呢？可以到达</a:t>
-            </a:r>
-            <a:r>
-              <a:rPr>
-                <a:solidFill>
-                  <a:schemeClr val="tx1">
-                    <a:lumMod val="75000"/>
-                    <a:lumOff val="25000"/>
-                  </a:schemeClr>
-                </a:solidFill>
-                <a:sym typeface="+mn-ea"/>
-              </a:rPr>
-              <a:t>（2</a:t>
-            </a:r>
-            <a:r>
-              <a:rPr lang="zh-CN" altLang="en-US">
-                <a:solidFill>
-                  <a:schemeClr val="tx1">
-                    <a:lumMod val="75000"/>
-                    <a:lumOff val="25000"/>
-                  </a:schemeClr>
-                </a:solidFill>
-                <a:sym typeface="+mn-ea"/>
-              </a:rPr>
-              <a:t>，</a:t>
-            </a:r>
-            <a:r>
-              <a:rPr>
-                <a:solidFill>
-                  <a:schemeClr val="tx1">
-                    <a:lumMod val="75000"/>
-                    <a:lumOff val="25000"/>
-                  </a:schemeClr>
-                </a:solidFill>
-                <a:sym typeface="+mn-ea"/>
-              </a:rPr>
-              <a:t>2</a:t>
-            </a:r>
-            <a:r>
-              <a:rPr dirty="0">
-                <a:solidFill>
-                  <a:schemeClr val="tx1">
-                    <a:lumMod val="75000"/>
-                    <a:lumOff val="25000"/>
-                  </a:schemeClr>
-                </a:solidFill>
-                <a:sym typeface="+mn-ea"/>
-              </a:rPr>
-              <a:t>）</a:t>
-            </a:r>
-            <a:r>
-              <a:rPr>
-                <a:solidFill>
-                  <a:schemeClr val="tx1">
-                    <a:lumMod val="75000"/>
-                    <a:lumOff val="25000"/>
-                  </a:schemeClr>
-                </a:solidFill>
-                <a:sym typeface="+mn-ea"/>
-              </a:rPr>
-              <a:t>和（</a:t>
-            </a:r>
-            <a:r>
-              <a:rPr lang="en-US" altLang="zh-CN">
-                <a:solidFill>
-                  <a:schemeClr val="tx1">
-                    <a:lumMod val="75000"/>
-                    <a:lumOff val="25000"/>
-                  </a:schemeClr>
-                </a:solidFill>
-                <a:sym typeface="+mn-ea"/>
-              </a:rPr>
-              <a:t>3</a:t>
-            </a:r>
-            <a:r>
-              <a:rPr lang="zh-CN" altLang="en-US">
-                <a:solidFill>
-                  <a:schemeClr val="tx1">
-                    <a:lumMod val="75000"/>
-                    <a:lumOff val="25000"/>
-                  </a:schemeClr>
-                </a:solidFill>
-                <a:sym typeface="+mn-ea"/>
-              </a:rPr>
-              <a:t>，</a:t>
-            </a:r>
-            <a:r>
-              <a:rPr lang="en-US" altLang="zh-CN">
-                <a:solidFill>
-                  <a:schemeClr val="tx1">
-                    <a:lumMod val="75000"/>
-                    <a:lumOff val="25000"/>
-                  </a:schemeClr>
-                </a:solidFill>
-                <a:sym typeface="+mn-ea"/>
-              </a:rPr>
-              <a:t>1</a:t>
-            </a:r>
-            <a:r>
-              <a:rPr>
-                <a:solidFill>
-                  <a:schemeClr val="tx1">
-                    <a:lumMod val="75000"/>
-                    <a:lumOff val="25000"/>
-                  </a:schemeClr>
-                </a:solidFill>
-                <a:sym typeface="+mn-ea"/>
-              </a:rPr>
-              <a:t>）</a:t>
-            </a:r>
-            <a:r>
-              <a:rPr lang="zh-CN" altLang="en-US" dirty="0">
-                <a:solidFill>
-                  <a:schemeClr val="tx1">
-                    <a:lumMod val="75000"/>
-                    <a:lumOff val="25000"/>
-                  </a:schemeClr>
-                </a:solidFill>
-                <a:sym typeface="+mn-ea"/>
-              </a:rPr>
-              <a:t>。</a:t>
-            </a:r>
-            <a:r>
-              <a:rPr dirty="0">
-                <a:solidFill>
-                  <a:schemeClr val="tx1">
-                    <a:lumMod val="75000"/>
-                    <a:lumOff val="25000"/>
-                  </a:schemeClr>
-                </a:solidFill>
-                <a:sym typeface="+mn-ea"/>
-              </a:rPr>
-              <a:t> 此时你会发现</a:t>
-            </a:r>
-            <a:r>
-              <a:rPr>
-                <a:solidFill>
-                  <a:schemeClr val="tx1">
-                    <a:lumMod val="75000"/>
-                    <a:lumOff val="25000"/>
-                  </a:schemeClr>
-                </a:solidFill>
-                <a:sym typeface="+mn-ea"/>
-              </a:rPr>
-              <a:t>（2</a:t>
-            </a:r>
-            <a:r>
-              <a:rPr lang="zh-CN" altLang="en-US">
-                <a:solidFill>
-                  <a:schemeClr val="tx1">
-                    <a:lumMod val="75000"/>
-                    <a:lumOff val="25000"/>
-                  </a:schemeClr>
-                </a:solidFill>
-                <a:sym typeface="+mn-ea"/>
-              </a:rPr>
-              <a:t>，</a:t>
-            </a:r>
-            <a:r>
-              <a:rPr>
-                <a:solidFill>
-                  <a:schemeClr val="tx1">
-                    <a:lumMod val="75000"/>
-                    <a:lumOff val="25000"/>
-                  </a:schemeClr>
-                </a:solidFill>
-                <a:sym typeface="+mn-ea"/>
-              </a:rPr>
-              <a:t>2</a:t>
-            </a:r>
-            <a:r>
-              <a:rPr dirty="0">
-                <a:solidFill>
-                  <a:schemeClr val="tx1">
-                    <a:lumMod val="75000"/>
-                    <a:lumOff val="25000"/>
-                  </a:schemeClr>
-                </a:solidFill>
-                <a:sym typeface="+mn-ea"/>
-              </a:rPr>
-              <a:t>）这个点既可以从</a:t>
-            </a:r>
-            <a:r>
-              <a:rPr>
-                <a:solidFill>
-                  <a:schemeClr val="tx1">
-                    <a:lumMod val="75000"/>
-                    <a:lumOff val="25000"/>
-                  </a:schemeClr>
-                </a:solidFill>
-                <a:sym typeface="+mn-ea"/>
-              </a:rPr>
-              <a:t>（ 1</a:t>
-            </a:r>
-            <a:r>
-              <a:rPr lang="zh-CN" altLang="en-US">
-                <a:solidFill>
-                  <a:schemeClr val="tx1">
-                    <a:lumMod val="75000"/>
-                    <a:lumOff val="25000"/>
-                  </a:schemeClr>
-                </a:solidFill>
-                <a:sym typeface="+mn-ea"/>
-              </a:rPr>
-              <a:t>，</a:t>
-            </a:r>
-            <a:r>
-              <a:rPr>
-                <a:solidFill>
-                  <a:schemeClr val="tx1">
-                    <a:lumMod val="75000"/>
-                    <a:lumOff val="25000"/>
-                  </a:schemeClr>
-                </a:solidFill>
-                <a:sym typeface="+mn-ea"/>
-              </a:rPr>
-              <a:t>2</a:t>
-            </a:r>
-            <a:r>
-              <a:rPr dirty="0">
-                <a:solidFill>
-                  <a:schemeClr val="tx1">
-                    <a:lumMod val="75000"/>
-                    <a:lumOff val="25000"/>
-                  </a:schemeClr>
-                </a:solidFill>
-                <a:sym typeface="+mn-ea"/>
-              </a:rPr>
-              <a:t>）到达， 也可以从</a:t>
-            </a:r>
-            <a:r>
-              <a:rPr>
-                <a:solidFill>
-                  <a:schemeClr val="tx1">
-                    <a:lumMod val="75000"/>
-                    <a:lumOff val="25000"/>
-                  </a:schemeClr>
-                </a:solidFill>
-                <a:sym typeface="+mn-ea"/>
-              </a:rPr>
-              <a:t>（ 2</a:t>
-            </a:r>
-            <a:r>
-              <a:rPr lang="zh-CN" altLang="en-US">
-                <a:solidFill>
-                  <a:schemeClr val="tx1">
-                    <a:lumMod val="75000"/>
-                    <a:lumOff val="25000"/>
-                  </a:schemeClr>
-                </a:solidFill>
-                <a:sym typeface="+mn-ea"/>
-              </a:rPr>
-              <a:t>，</a:t>
-            </a:r>
-            <a:r>
-              <a:rPr>
-                <a:solidFill>
-                  <a:schemeClr val="tx1">
-                    <a:lumMod val="75000"/>
-                    <a:lumOff val="25000"/>
-                  </a:schemeClr>
-                </a:solidFill>
-                <a:sym typeface="+mn-ea"/>
-              </a:rPr>
-              <a:t>1）</a:t>
-            </a:r>
-            <a:r>
-              <a:rPr dirty="0">
-                <a:solidFill>
-                  <a:schemeClr val="tx1">
-                    <a:lumMod val="75000"/>
-                    <a:lumOff val="25000"/>
-                  </a:schemeClr>
-                </a:solidFill>
-                <a:sym typeface="+mn-ea"/>
-              </a:rPr>
-              <a:t>到达， 并且都只使用了2 步。为了防止一个点多次被走到， 这里需要一个数组来记录一个点是否己经被走到过。</a:t>
-            </a:r>
-          </a:p>
-          <a:p>
-            <a:pPr algn="l"/>
-            <a:endParaRPr lang="zh-CN" altLang="en-US" dirty="0">
-              <a:solidFill>
-                <a:schemeClr val="tx1">
-                  <a:lumMod val="75000"/>
-                  <a:lumOff val="25000"/>
-                </a:schemeClr>
-              </a:solidFill>
-              <a:sym typeface="+mn-ea"/>
-            </a:endParaRPr>
-          </a:p>
-          <a:p>
-            <a:pPr algn="l"/>
-            <a:endParaRPr lang="zh-CN" altLang="en-US" sz="1600" dirty="0">
-              <a:solidFill>
-                <a:schemeClr val="accent1">
-                  <a:lumMod val="50000"/>
-                </a:schemeClr>
-              </a:solidFill>
-              <a:sym typeface="+mn-ea"/>
-            </a:endParaRPr>
-          </a:p>
-        </p:txBody>
-      </p:sp>
-      <p:pic>
-        <p:nvPicPr>
-          <p:cNvPr id="2" name="图片 1"/>
-          <p:cNvPicPr>
-            <a:picLocks noChangeAspect="1"/>
-          </p:cNvPicPr>
-          <p:nvPr/>
-        </p:nvPicPr>
-        <p:blipFill>
-          <a:blip r:embed="rId2"/>
-          <a:stretch>
-            <a:fillRect/>
-          </a:stretch>
-        </p:blipFill>
-        <p:spPr>
-          <a:xfrm>
-            <a:off x="6729922" y="2962564"/>
-            <a:ext cx="3886200" cy="3606800"/>
-          </a:xfrm>
-          <a:prstGeom prst="rect">
-            <a:avLst/>
-          </a:prstGeom>
-        </p:spPr>
-      </p:pic>
-    </p:spTree>
-  </p:cSld>
-  <p:clrMapOvr>
-    <a:masterClrMapping/>
-  </p:clrMapOvr>
-</p:sld>
-</file>
-
-<file path=ppt/slides/slide21.xml><?xml version="1.0" encoding="utf-8"?>
-<p:sld xmlns:a="http://schemas.openxmlformats.org/drawingml/2006/main" xmlns:r="http://schemas.openxmlformats.org/officeDocument/2006/relationships" xmlns:p="http://schemas.openxmlformats.org/presentationml/2006/main">
-  <p:cSld>
-    <p:spTree>
-      <p:nvGrpSpPr>
-        <p:cNvPr id="1" name=""/>
-        <p:cNvGrpSpPr/>
-        <p:nvPr/>
-      </p:nvGrpSpPr>
-      <p:grpSpPr>
-        <a:xfrm>
-          <a:off x="0" y="0"/>
-          <a:ext cx="0" cy="0"/>
-          <a:chOff x="0" y="0"/>
-          <a:chExt cx="0" cy="0"/>
-        </a:xfrm>
-      </p:grpSpPr>
-      <p:sp>
-        <p:nvSpPr>
-          <p:cNvPr id="3" name="副标题 2"/>
-          <p:cNvSpPr>
-            <a:spLocks noGrp="1"/>
-          </p:cNvSpPr>
-          <p:nvPr>
-            <p:ph type="subTitle" idx="1"/>
-          </p:nvPr>
-        </p:nvSpPr>
-        <p:spPr>
-          <a:xfrm>
-            <a:off x="504614" y="1043940"/>
-            <a:ext cx="11070859" cy="2385060"/>
-          </a:xfrm>
-        </p:spPr>
-        <p:txBody>
-          <a:bodyPr>
-            <a:noAutofit/>
-          </a:bodyPr>
-          <a:lstStyle/>
-          <a:p>
-            <a:pPr algn="l"/>
-            <a:r>
-              <a:rPr lang="zh-CN" altLang="en-US">
-                <a:solidFill>
-                  <a:schemeClr val="tx1">
-                    <a:lumMod val="75000"/>
-                    <a:lumOff val="25000"/>
-                  </a:schemeClr>
-                </a:solidFill>
-                <a:sym typeface="+mn-ea"/>
-              </a:rPr>
-              <a:t>此时</a:t>
-            </a:r>
-            <a:r>
-              <a:rPr lang="en-US" altLang="zh-CN" dirty="0">
-                <a:solidFill>
-                  <a:schemeClr val="tx1">
-                    <a:lumMod val="75000"/>
-                    <a:lumOff val="25000"/>
-                  </a:schemeClr>
-                </a:solidFill>
-                <a:sym typeface="+mn-ea"/>
-              </a:rPr>
-              <a:t>2</a:t>
-            </a:r>
-            <a:r>
-              <a:rPr lang="zh-CN" altLang="en-US" dirty="0">
-                <a:solidFill>
-                  <a:schemeClr val="tx1">
-                    <a:lumMod val="75000"/>
-                    <a:lumOff val="25000"/>
-                  </a:schemeClr>
-                </a:solidFill>
-                <a:sym typeface="+mn-ea"/>
-              </a:rPr>
-              <a:t>步可以走到的就全走到了，</a:t>
-            </a:r>
-            <a:r>
-              <a:rPr lang="zh-CN" altLang="en-US">
-                <a:solidFill>
-                  <a:schemeClr val="tx1">
-                    <a:lumMod val="75000"/>
-                    <a:lumOff val="25000"/>
-                  </a:schemeClr>
-                </a:solidFill>
-                <a:sym typeface="+mn-ea"/>
-              </a:rPr>
-              <a:t>有（</a:t>
-            </a:r>
-            <a:r>
-              <a:rPr lang="en-US" altLang="zh-CN">
-                <a:solidFill>
-                  <a:schemeClr val="tx1">
-                    <a:lumMod val="75000"/>
-                    <a:lumOff val="25000"/>
-                  </a:schemeClr>
-                </a:solidFill>
-                <a:sym typeface="+mn-ea"/>
-              </a:rPr>
-              <a:t>2</a:t>
-            </a:r>
-            <a:r>
-              <a:rPr lang="zh-CN" altLang="en-US">
-                <a:solidFill>
-                  <a:schemeClr val="tx1">
-                    <a:lumMod val="75000"/>
-                    <a:lumOff val="25000"/>
-                  </a:schemeClr>
-                </a:solidFill>
-                <a:sym typeface="+mn-ea"/>
-              </a:rPr>
-              <a:t>，</a:t>
-            </a:r>
-            <a:r>
-              <a:rPr lang="en-US" altLang="zh-CN">
-                <a:solidFill>
-                  <a:schemeClr val="tx1">
-                    <a:lumMod val="75000"/>
-                    <a:lumOff val="25000"/>
-                  </a:schemeClr>
-                </a:solidFill>
-                <a:sym typeface="+mn-ea"/>
-              </a:rPr>
-              <a:t>2</a:t>
-            </a:r>
-            <a:r>
-              <a:rPr lang="zh-CN" altLang="en-US" dirty="0">
-                <a:solidFill>
-                  <a:schemeClr val="tx1">
-                    <a:lumMod val="75000"/>
-                    <a:lumOff val="25000"/>
-                  </a:schemeClr>
-                </a:solidFill>
-                <a:sym typeface="+mn-ea"/>
-              </a:rPr>
-              <a:t>）</a:t>
-            </a:r>
-            <a:r>
-              <a:rPr lang="zh-CN" altLang="en-US">
-                <a:solidFill>
-                  <a:schemeClr val="tx1">
-                    <a:lumMod val="75000"/>
-                    <a:lumOff val="25000"/>
-                  </a:schemeClr>
-                </a:solidFill>
-                <a:sym typeface="+mn-ea"/>
-              </a:rPr>
-              <a:t>和（</a:t>
-            </a:r>
-            <a:r>
-              <a:rPr lang="en-US" altLang="zh-CN">
-                <a:solidFill>
-                  <a:schemeClr val="tx1">
-                    <a:lumMod val="75000"/>
-                    <a:lumOff val="25000"/>
-                  </a:schemeClr>
-                </a:solidFill>
-                <a:sym typeface="+mn-ea"/>
-              </a:rPr>
-              <a:t>3</a:t>
-            </a:r>
-            <a:r>
-              <a:rPr lang="zh-CN" altLang="en-US">
-                <a:solidFill>
-                  <a:schemeClr val="tx1">
-                    <a:lumMod val="75000"/>
-                    <a:lumOff val="25000"/>
-                  </a:schemeClr>
-                </a:solidFill>
-                <a:sym typeface="+mn-ea"/>
-              </a:rPr>
-              <a:t>，</a:t>
-            </a:r>
-            <a:r>
-              <a:rPr lang="en-US" altLang="zh-CN">
-                <a:solidFill>
-                  <a:schemeClr val="tx1">
-                    <a:lumMod val="75000"/>
-                    <a:lumOff val="25000"/>
-                  </a:schemeClr>
-                </a:solidFill>
-                <a:sym typeface="+mn-ea"/>
-              </a:rPr>
-              <a:t>1</a:t>
-            </a:r>
-            <a:r>
-              <a:rPr lang="zh-CN" altLang="en-US">
-                <a:solidFill>
-                  <a:schemeClr val="tx1">
-                    <a:lumMod val="75000"/>
-                    <a:lumOff val="25000"/>
-                  </a:schemeClr>
-                </a:solidFill>
-                <a:sym typeface="+mn-ea"/>
-              </a:rPr>
-              <a:t>），可是</a:t>
-            </a:r>
-            <a:r>
-              <a:rPr lang="en-US" altLang="zh-CN" dirty="0">
-                <a:solidFill>
-                  <a:schemeClr val="tx1">
-                    <a:lumMod val="75000"/>
-                    <a:lumOff val="25000"/>
-                  </a:schemeClr>
-                </a:solidFill>
-                <a:sym typeface="+mn-ea"/>
-              </a:rPr>
-              <a:t>A</a:t>
-            </a:r>
-            <a:r>
-              <a:rPr lang="zh-CN" altLang="en-US" dirty="0">
-                <a:solidFill>
-                  <a:schemeClr val="tx1">
-                    <a:lumMod val="75000"/>
-                    <a:lumOff val="25000"/>
-                  </a:schemeClr>
-                </a:solidFill>
-                <a:sym typeface="+mn-ea"/>
-              </a:rPr>
-              <a:t>同学并不在这两个点上，没有别的方法，还得继续往下尝试，看看</a:t>
-            </a:r>
-            <a:r>
-              <a:rPr lang="zh-CN" altLang="en-US">
-                <a:solidFill>
-                  <a:schemeClr val="tx1">
-                    <a:lumMod val="75000"/>
-                    <a:lumOff val="25000"/>
-                  </a:schemeClr>
-                </a:solidFill>
-                <a:sym typeface="+mn-ea"/>
-              </a:rPr>
-              <a:t>通过（</a:t>
-            </a:r>
-            <a:r>
-              <a:rPr lang="en-US" altLang="zh-CN">
-                <a:solidFill>
-                  <a:schemeClr val="tx1">
-                    <a:lumMod val="75000"/>
-                    <a:lumOff val="25000"/>
-                  </a:schemeClr>
-                </a:solidFill>
-                <a:sym typeface="+mn-ea"/>
-              </a:rPr>
-              <a:t>2</a:t>
-            </a:r>
-            <a:r>
-              <a:rPr lang="zh-CN" altLang="en-US">
-                <a:solidFill>
-                  <a:schemeClr val="tx1">
-                    <a:lumMod val="75000"/>
-                    <a:lumOff val="25000"/>
-                  </a:schemeClr>
-                </a:solidFill>
-                <a:sym typeface="+mn-ea"/>
-              </a:rPr>
-              <a:t>，</a:t>
-            </a:r>
-            <a:r>
-              <a:rPr lang="en-US" altLang="zh-CN" dirty="0">
-                <a:solidFill>
-                  <a:schemeClr val="tx1">
-                    <a:lumMod val="75000"/>
-                    <a:lumOff val="25000"/>
-                  </a:schemeClr>
-                </a:solidFill>
-                <a:sym typeface="+mn-ea"/>
-              </a:rPr>
-              <a:t>2</a:t>
-            </a:r>
-            <a:r>
-              <a:rPr lang="zh-CN" altLang="en-US" dirty="0">
-                <a:solidFill>
-                  <a:schemeClr val="tx1">
-                    <a:lumMod val="75000"/>
-                    <a:lumOff val="25000"/>
-                  </a:schemeClr>
-                </a:solidFill>
-                <a:sym typeface="+mn-ea"/>
-              </a:rPr>
-              <a:t>）</a:t>
-            </a:r>
-            <a:r>
-              <a:rPr lang="zh-CN" altLang="en-US">
-                <a:solidFill>
-                  <a:schemeClr val="tx1">
-                    <a:lumMod val="75000"/>
-                    <a:lumOff val="25000"/>
-                  </a:schemeClr>
-                </a:solidFill>
-                <a:sym typeface="+mn-ea"/>
-              </a:rPr>
-              <a:t>和（</a:t>
-            </a:r>
-            <a:r>
-              <a:rPr lang="en-US" altLang="zh-CN">
-                <a:solidFill>
-                  <a:schemeClr val="tx1">
-                    <a:lumMod val="75000"/>
-                    <a:lumOff val="25000"/>
-                  </a:schemeClr>
-                </a:solidFill>
-                <a:sym typeface="+mn-ea"/>
-              </a:rPr>
-              <a:t>3</a:t>
-            </a:r>
-            <a:r>
-              <a:rPr lang="zh-CN" altLang="en-US">
-                <a:solidFill>
-                  <a:schemeClr val="tx1">
-                    <a:lumMod val="75000"/>
-                    <a:lumOff val="25000"/>
-                  </a:schemeClr>
-                </a:solidFill>
-                <a:sym typeface="+mn-ea"/>
-              </a:rPr>
-              <a:t>，</a:t>
-            </a:r>
-            <a:r>
-              <a:rPr lang="en-US" altLang="zh-CN" dirty="0">
-                <a:solidFill>
-                  <a:schemeClr val="tx1">
-                    <a:lumMod val="75000"/>
-                    <a:lumOff val="25000"/>
-                  </a:schemeClr>
-                </a:solidFill>
-                <a:sym typeface="+mn-ea"/>
-              </a:rPr>
-              <a:t>1</a:t>
-            </a:r>
-            <a:r>
-              <a:rPr lang="zh-CN" altLang="en-US" dirty="0">
-                <a:solidFill>
-                  <a:schemeClr val="tx1">
-                    <a:lumMod val="75000"/>
-                    <a:lumOff val="25000"/>
-                  </a:schemeClr>
-                </a:solidFill>
-                <a:sym typeface="+mn-ea"/>
-              </a:rPr>
-              <a:t>）这两个点还能到达哪些新的没有走到过的点。</a:t>
-            </a:r>
-            <a:r>
-              <a:rPr lang="zh-CN" altLang="en-US">
-                <a:solidFill>
-                  <a:schemeClr val="tx1">
-                    <a:lumMod val="75000"/>
-                    <a:lumOff val="25000"/>
-                  </a:schemeClr>
-                </a:solidFill>
-                <a:sym typeface="+mn-ea"/>
-              </a:rPr>
-              <a:t>通过（</a:t>
-            </a:r>
-            <a:r>
-              <a:rPr lang="en-US" altLang="zh-CN">
-                <a:solidFill>
-                  <a:schemeClr val="tx1">
-                    <a:lumMod val="75000"/>
-                    <a:lumOff val="25000"/>
-                  </a:schemeClr>
-                </a:solidFill>
-                <a:sym typeface="+mn-ea"/>
-              </a:rPr>
-              <a:t>2</a:t>
-            </a:r>
-            <a:r>
-              <a:rPr lang="zh-CN" altLang="en-US">
-                <a:solidFill>
-                  <a:schemeClr val="tx1">
-                    <a:lumMod val="75000"/>
-                    <a:lumOff val="25000"/>
-                  </a:schemeClr>
-                </a:solidFill>
-                <a:sym typeface="+mn-ea"/>
-              </a:rPr>
-              <a:t>，</a:t>
-            </a:r>
-            <a:r>
-              <a:rPr lang="en-US" altLang="zh-CN" dirty="0">
-                <a:solidFill>
-                  <a:schemeClr val="tx1">
-                    <a:lumMod val="75000"/>
-                    <a:lumOff val="25000"/>
-                  </a:schemeClr>
-                </a:solidFill>
-                <a:sym typeface="+mn-ea"/>
-              </a:rPr>
-              <a:t>2</a:t>
-            </a:r>
-            <a:r>
-              <a:rPr lang="zh-CN" altLang="en-US" dirty="0">
-                <a:solidFill>
-                  <a:schemeClr val="tx1">
-                    <a:lumMod val="75000"/>
-                    <a:lumOff val="25000"/>
-                  </a:schemeClr>
-                </a:solidFill>
-                <a:sym typeface="+mn-ea"/>
-              </a:rPr>
-              <a:t>）这个点我们可以</a:t>
-            </a:r>
-            <a:r>
-              <a:rPr lang="zh-CN" altLang="en-US">
-                <a:solidFill>
-                  <a:schemeClr val="tx1">
-                    <a:lumMod val="75000"/>
-                    <a:lumOff val="25000"/>
-                  </a:schemeClr>
-                </a:solidFill>
-                <a:sym typeface="+mn-ea"/>
-              </a:rPr>
-              <a:t>到达（</a:t>
-            </a:r>
-            <a:r>
-              <a:rPr lang="en-US" altLang="zh-CN">
-                <a:solidFill>
-                  <a:schemeClr val="tx1">
-                    <a:lumMod val="75000"/>
-                    <a:lumOff val="25000"/>
-                  </a:schemeClr>
-                </a:solidFill>
-                <a:sym typeface="+mn-ea"/>
-              </a:rPr>
-              <a:t>2</a:t>
-            </a:r>
-            <a:r>
-              <a:rPr lang="zh-CN" altLang="en-US">
-                <a:solidFill>
-                  <a:schemeClr val="tx1">
-                    <a:lumMod val="75000"/>
-                    <a:lumOff val="25000"/>
-                  </a:schemeClr>
-                </a:solidFill>
-                <a:sym typeface="+mn-ea"/>
-              </a:rPr>
-              <a:t>，</a:t>
-            </a:r>
-            <a:r>
-              <a:rPr lang="en-US" altLang="zh-CN" dirty="0">
-                <a:solidFill>
-                  <a:schemeClr val="tx1">
-                    <a:lumMod val="75000"/>
-                    <a:lumOff val="25000"/>
-                  </a:schemeClr>
-                </a:solidFill>
-                <a:sym typeface="+mn-ea"/>
-              </a:rPr>
-              <a:t>3</a:t>
-            </a:r>
-            <a:r>
-              <a:rPr lang="zh-CN" altLang="en-US" dirty="0">
-                <a:solidFill>
-                  <a:schemeClr val="tx1">
-                    <a:lumMod val="75000"/>
-                    <a:lumOff val="25000"/>
-                  </a:schemeClr>
-                </a:solidFill>
-                <a:sym typeface="+mn-ea"/>
-              </a:rPr>
-              <a:t>）</a:t>
-            </a:r>
-            <a:r>
-              <a:rPr lang="zh-CN" altLang="en-US">
-                <a:solidFill>
-                  <a:schemeClr val="tx1">
-                    <a:lumMod val="75000"/>
-                    <a:lumOff val="25000"/>
-                  </a:schemeClr>
-                </a:solidFill>
-                <a:sym typeface="+mn-ea"/>
-              </a:rPr>
-              <a:t>和（</a:t>
-            </a:r>
-            <a:r>
-              <a:rPr lang="en-US" altLang="zh-CN">
-                <a:solidFill>
-                  <a:schemeClr val="tx1">
-                    <a:lumMod val="75000"/>
-                    <a:lumOff val="25000"/>
-                  </a:schemeClr>
-                </a:solidFill>
-                <a:sym typeface="+mn-ea"/>
-              </a:rPr>
-              <a:t>3</a:t>
-            </a:r>
-            <a:r>
-              <a:rPr lang="zh-CN" altLang="en-US">
-                <a:solidFill>
-                  <a:schemeClr val="tx1">
-                    <a:lumMod val="75000"/>
-                    <a:lumOff val="25000"/>
-                  </a:schemeClr>
-                </a:solidFill>
-                <a:sym typeface="+mn-ea"/>
-              </a:rPr>
-              <a:t>，</a:t>
-            </a:r>
-            <a:r>
-              <a:rPr lang="en-US" altLang="zh-CN" dirty="0">
-                <a:solidFill>
-                  <a:schemeClr val="tx1">
-                    <a:lumMod val="75000"/>
-                    <a:lumOff val="25000"/>
-                  </a:schemeClr>
-                </a:solidFill>
-                <a:sym typeface="+mn-ea"/>
-              </a:rPr>
-              <a:t>2</a:t>
-            </a:r>
-            <a:r>
-              <a:rPr lang="zh-CN" altLang="en-US" dirty="0">
-                <a:solidFill>
-                  <a:schemeClr val="tx1">
-                    <a:lumMod val="75000"/>
-                    <a:lumOff val="25000"/>
-                  </a:schemeClr>
-                </a:solidFill>
-                <a:sym typeface="+mn-ea"/>
-              </a:rPr>
-              <a:t>），</a:t>
-            </a:r>
-            <a:r>
-              <a:rPr lang="zh-CN" altLang="en-US">
-                <a:solidFill>
-                  <a:schemeClr val="tx1">
-                    <a:lumMod val="75000"/>
-                    <a:lumOff val="25000"/>
-                  </a:schemeClr>
-                </a:solidFill>
-                <a:sym typeface="+mn-ea"/>
-              </a:rPr>
-              <a:t>通过（</a:t>
-            </a:r>
-            <a:r>
-              <a:rPr lang="en-US" altLang="zh-CN">
-                <a:solidFill>
-                  <a:schemeClr val="tx1">
-                    <a:lumMod val="75000"/>
-                    <a:lumOff val="25000"/>
-                  </a:schemeClr>
-                </a:solidFill>
-                <a:sym typeface="+mn-ea"/>
-              </a:rPr>
-              <a:t>3</a:t>
-            </a:r>
-            <a:r>
-              <a:rPr lang="zh-CN" altLang="en-US">
-                <a:solidFill>
-                  <a:schemeClr val="tx1">
-                    <a:lumMod val="75000"/>
-                    <a:lumOff val="25000"/>
-                  </a:schemeClr>
-                </a:solidFill>
-                <a:sym typeface="+mn-ea"/>
-              </a:rPr>
-              <a:t>，</a:t>
-            </a:r>
-            <a:r>
-              <a:rPr lang="en-US" altLang="zh-CN" dirty="0">
-                <a:solidFill>
-                  <a:schemeClr val="tx1">
-                    <a:lumMod val="75000"/>
-                    <a:lumOff val="25000"/>
-                  </a:schemeClr>
-                </a:solidFill>
-                <a:sym typeface="+mn-ea"/>
-              </a:rPr>
-              <a:t>1</a:t>
-            </a:r>
-            <a:r>
-              <a:rPr lang="zh-CN" altLang="en-US" dirty="0">
-                <a:solidFill>
-                  <a:schemeClr val="tx1">
-                    <a:lumMod val="75000"/>
-                    <a:lumOff val="25000"/>
-                  </a:schemeClr>
-                </a:solidFill>
-                <a:sym typeface="+mn-ea"/>
-              </a:rPr>
-              <a:t>）可以</a:t>
-            </a:r>
-            <a:r>
-              <a:rPr lang="zh-CN" altLang="en-US">
-                <a:solidFill>
-                  <a:schemeClr val="tx1">
-                    <a:lumMod val="75000"/>
-                    <a:lumOff val="25000"/>
-                  </a:schemeClr>
-                </a:solidFill>
-                <a:sym typeface="+mn-ea"/>
-              </a:rPr>
-              <a:t>到达（</a:t>
-            </a:r>
-            <a:r>
-              <a:rPr lang="en-US" altLang="zh-CN">
-                <a:solidFill>
-                  <a:schemeClr val="tx1">
-                    <a:lumMod val="75000"/>
-                    <a:lumOff val="25000"/>
-                  </a:schemeClr>
-                </a:solidFill>
-                <a:sym typeface="+mn-ea"/>
-              </a:rPr>
-              <a:t>3</a:t>
-            </a:r>
-            <a:r>
-              <a:rPr lang="zh-CN" altLang="en-US">
-                <a:solidFill>
-                  <a:schemeClr val="tx1">
-                    <a:lumMod val="75000"/>
-                    <a:lumOff val="25000"/>
-                  </a:schemeClr>
-                </a:solidFill>
-                <a:sym typeface="+mn-ea"/>
-              </a:rPr>
-              <a:t>，</a:t>
-            </a:r>
-            <a:r>
-              <a:rPr lang="en-US" altLang="zh-CN" dirty="0">
-                <a:solidFill>
-                  <a:schemeClr val="tx1">
-                    <a:lumMod val="75000"/>
-                    <a:lumOff val="25000"/>
-                  </a:schemeClr>
-                </a:solidFill>
-                <a:sym typeface="+mn-ea"/>
-              </a:rPr>
-              <a:t>2</a:t>
-            </a:r>
-            <a:r>
-              <a:rPr lang="zh-CN" altLang="en-US" dirty="0">
-                <a:solidFill>
-                  <a:schemeClr val="tx1">
-                    <a:lumMod val="75000"/>
-                    <a:lumOff val="25000"/>
-                  </a:schemeClr>
-                </a:solidFill>
-                <a:sym typeface="+mn-ea"/>
-              </a:rPr>
-              <a:t>）</a:t>
-            </a:r>
-            <a:r>
-              <a:rPr lang="zh-CN" altLang="en-US">
-                <a:solidFill>
-                  <a:schemeClr val="tx1">
-                    <a:lumMod val="75000"/>
-                    <a:lumOff val="25000"/>
-                  </a:schemeClr>
-                </a:solidFill>
-                <a:sym typeface="+mn-ea"/>
-              </a:rPr>
-              <a:t>和（</a:t>
-            </a:r>
-            <a:r>
-              <a:rPr lang="en-US" altLang="zh-CN">
-                <a:solidFill>
-                  <a:schemeClr val="tx1">
-                    <a:lumMod val="75000"/>
-                    <a:lumOff val="25000"/>
-                  </a:schemeClr>
-                </a:solidFill>
-                <a:sym typeface="+mn-ea"/>
-              </a:rPr>
-              <a:t>4</a:t>
-            </a:r>
-            <a:r>
-              <a:rPr lang="zh-CN" altLang="en-US">
-                <a:solidFill>
-                  <a:schemeClr val="tx1">
-                    <a:lumMod val="75000"/>
-                    <a:lumOff val="25000"/>
-                  </a:schemeClr>
-                </a:solidFill>
-                <a:sym typeface="+mn-ea"/>
-              </a:rPr>
-              <a:t>，</a:t>
-            </a:r>
-            <a:r>
-              <a:rPr lang="en-US" altLang="zh-CN" dirty="0">
-                <a:solidFill>
-                  <a:schemeClr val="tx1">
-                    <a:lumMod val="75000"/>
-                    <a:lumOff val="25000"/>
-                  </a:schemeClr>
-                </a:solidFill>
-                <a:sym typeface="+mn-ea"/>
-              </a:rPr>
-              <a:t>1</a:t>
-            </a:r>
-            <a:r>
-              <a:rPr lang="zh-CN" altLang="en-US" dirty="0">
-                <a:solidFill>
-                  <a:schemeClr val="tx1">
-                    <a:lumMod val="75000"/>
-                    <a:lumOff val="25000"/>
-                  </a:schemeClr>
-                </a:solidFill>
-                <a:sym typeface="+mn-ea"/>
-              </a:rPr>
-              <a:t>）。</a:t>
-            </a:r>
-            <a:r>
-              <a:rPr lang="zh-CN" altLang="en-US">
-                <a:solidFill>
-                  <a:schemeClr val="tx1">
-                    <a:lumMod val="75000"/>
-                    <a:lumOff val="25000"/>
-                  </a:schemeClr>
-                </a:solidFill>
-                <a:sym typeface="+mn-ea"/>
-              </a:rPr>
-              <a:t>现在第</a:t>
-            </a:r>
-            <a:r>
-              <a:rPr lang="en-US" altLang="zh-CN" dirty="0">
-                <a:solidFill>
-                  <a:schemeClr val="tx1">
-                    <a:lumMod val="75000"/>
-                    <a:lumOff val="25000"/>
-                  </a:schemeClr>
-                </a:solidFill>
-                <a:sym typeface="+mn-ea"/>
-              </a:rPr>
-              <a:t>3</a:t>
-            </a:r>
-            <a:r>
-              <a:rPr lang="zh-CN" altLang="en-US" dirty="0">
-                <a:solidFill>
-                  <a:schemeClr val="tx1">
-                    <a:lumMod val="75000"/>
-                    <a:lumOff val="25000"/>
-                  </a:schemeClr>
-                </a:solidFill>
-                <a:sym typeface="+mn-ea"/>
-              </a:rPr>
-              <a:t>步可以到达的点</a:t>
-            </a:r>
-            <a:r>
-              <a:rPr lang="zh-CN" altLang="en-US">
-                <a:solidFill>
-                  <a:schemeClr val="tx1">
-                    <a:lumMod val="75000"/>
-                    <a:lumOff val="25000"/>
-                  </a:schemeClr>
-                </a:solidFill>
-                <a:sym typeface="+mn-ea"/>
-              </a:rPr>
-              <a:t>有（</a:t>
-            </a:r>
-            <a:r>
-              <a:rPr lang="en-US" altLang="zh-CN">
-                <a:solidFill>
-                  <a:schemeClr val="tx1">
-                    <a:lumMod val="75000"/>
-                    <a:lumOff val="25000"/>
-                  </a:schemeClr>
-                </a:solidFill>
-                <a:sym typeface="+mn-ea"/>
-              </a:rPr>
-              <a:t>2</a:t>
-            </a:r>
-            <a:r>
-              <a:rPr lang="zh-CN" altLang="en-US">
-                <a:solidFill>
-                  <a:schemeClr val="tx1">
-                    <a:lumMod val="75000"/>
-                    <a:lumOff val="25000"/>
-                  </a:schemeClr>
-                </a:solidFill>
-                <a:sym typeface="+mn-ea"/>
-              </a:rPr>
-              <a:t>，</a:t>
-            </a:r>
-            <a:r>
-              <a:rPr lang="en-US" altLang="zh-CN" dirty="0">
-                <a:solidFill>
-                  <a:schemeClr val="tx1">
-                    <a:lumMod val="75000"/>
-                    <a:lumOff val="25000"/>
-                  </a:schemeClr>
-                </a:solidFill>
-                <a:sym typeface="+mn-ea"/>
-              </a:rPr>
-              <a:t>3</a:t>
-            </a:r>
-            <a:r>
-              <a:rPr lang="zh-CN" altLang="en-US" dirty="0">
-                <a:solidFill>
-                  <a:schemeClr val="tx1">
-                    <a:lumMod val="75000"/>
-                    <a:lumOff val="25000"/>
-                  </a:schemeClr>
-                </a:solidFill>
-                <a:sym typeface="+mn-ea"/>
-              </a:rPr>
-              <a:t>）</a:t>
-            </a:r>
-            <a:r>
-              <a:rPr lang="zh-CN" altLang="en-US">
-                <a:solidFill>
-                  <a:schemeClr val="tx1">
-                    <a:lumMod val="75000"/>
-                    <a:lumOff val="25000"/>
-                  </a:schemeClr>
-                </a:solidFill>
-                <a:sym typeface="+mn-ea"/>
-              </a:rPr>
-              <a:t>、（</a:t>
-            </a:r>
-            <a:r>
-              <a:rPr lang="en-US" altLang="zh-CN">
-                <a:solidFill>
-                  <a:schemeClr val="tx1">
-                    <a:lumMod val="75000"/>
-                    <a:lumOff val="25000"/>
-                  </a:schemeClr>
-                </a:solidFill>
-                <a:sym typeface="+mn-ea"/>
-              </a:rPr>
-              <a:t>3</a:t>
-            </a:r>
-            <a:r>
-              <a:rPr lang="zh-CN" altLang="en-US">
-                <a:solidFill>
-                  <a:schemeClr val="tx1">
-                    <a:lumMod val="75000"/>
-                    <a:lumOff val="25000"/>
-                  </a:schemeClr>
-                </a:solidFill>
-                <a:sym typeface="+mn-ea"/>
-              </a:rPr>
-              <a:t>，</a:t>
-            </a:r>
-            <a:r>
-              <a:rPr lang="en-US" altLang="zh-CN" dirty="0">
-                <a:solidFill>
-                  <a:schemeClr val="tx1">
-                    <a:lumMod val="75000"/>
-                    <a:lumOff val="25000"/>
-                  </a:schemeClr>
-                </a:solidFill>
-                <a:sym typeface="+mn-ea"/>
-              </a:rPr>
-              <a:t>2</a:t>
-            </a:r>
-            <a:r>
-              <a:rPr lang="zh-CN" altLang="en-US" dirty="0">
-                <a:solidFill>
-                  <a:schemeClr val="tx1">
-                    <a:lumMod val="75000"/>
-                    <a:lumOff val="25000"/>
-                  </a:schemeClr>
-                </a:solidFill>
-                <a:sym typeface="+mn-ea"/>
-              </a:rPr>
-              <a:t>）</a:t>
-            </a:r>
-            <a:r>
-              <a:rPr lang="zh-CN" altLang="en-US">
-                <a:solidFill>
-                  <a:schemeClr val="tx1">
-                    <a:lumMod val="75000"/>
-                    <a:lumOff val="25000"/>
-                  </a:schemeClr>
-                </a:solidFill>
-                <a:sym typeface="+mn-ea"/>
-              </a:rPr>
-              <a:t>和（</a:t>
-            </a:r>
-            <a:r>
-              <a:rPr lang="en-US" altLang="zh-CN">
-                <a:solidFill>
-                  <a:schemeClr val="tx1">
-                    <a:lumMod val="75000"/>
-                    <a:lumOff val="25000"/>
-                  </a:schemeClr>
-                </a:solidFill>
-                <a:sym typeface="+mn-ea"/>
-              </a:rPr>
-              <a:t>4</a:t>
-            </a:r>
-            <a:r>
-              <a:rPr lang="zh-CN" altLang="en-US">
-                <a:solidFill>
-                  <a:schemeClr val="tx1">
-                    <a:lumMod val="75000"/>
-                    <a:lumOff val="25000"/>
-                  </a:schemeClr>
-                </a:solidFill>
-                <a:sym typeface="+mn-ea"/>
-              </a:rPr>
-              <a:t>，</a:t>
-            </a:r>
-            <a:r>
-              <a:rPr lang="en-US" altLang="zh-CN" dirty="0">
-                <a:solidFill>
-                  <a:schemeClr val="tx1">
-                    <a:lumMod val="75000"/>
-                    <a:lumOff val="25000"/>
-                  </a:schemeClr>
-                </a:solidFill>
-                <a:sym typeface="+mn-ea"/>
-              </a:rPr>
-              <a:t>1</a:t>
-            </a:r>
-            <a:r>
-              <a:rPr lang="zh-CN" altLang="en-US" dirty="0">
-                <a:solidFill>
-                  <a:schemeClr val="tx1">
-                    <a:lumMod val="75000"/>
-                    <a:lumOff val="25000"/>
-                  </a:schemeClr>
-                </a:solidFill>
-                <a:sym typeface="+mn-ea"/>
-              </a:rPr>
-              <a:t>）依旧</a:t>
-            </a:r>
-            <a:r>
-              <a:rPr lang="zh-CN" altLang="en-US">
-                <a:solidFill>
-                  <a:schemeClr val="tx1">
-                    <a:lumMod val="75000"/>
-                    <a:lumOff val="25000"/>
-                  </a:schemeClr>
-                </a:solidFill>
-                <a:sym typeface="+mn-ea"/>
-              </a:rPr>
-              <a:t>没有到达</a:t>
-            </a:r>
-            <a:r>
-              <a:rPr lang="en-US" altLang="zh-CN" dirty="0">
-                <a:solidFill>
-                  <a:schemeClr val="tx1">
-                    <a:lumMod val="75000"/>
-                    <a:lumOff val="25000"/>
-                  </a:schemeClr>
-                </a:solidFill>
-                <a:sym typeface="+mn-ea"/>
-              </a:rPr>
-              <a:t>A</a:t>
-            </a:r>
-            <a:r>
-              <a:rPr lang="zh-CN" altLang="en-US" dirty="0">
-                <a:solidFill>
-                  <a:schemeClr val="tx1">
-                    <a:lumMod val="75000"/>
-                    <a:lumOff val="25000"/>
-                  </a:schemeClr>
-                </a:solidFill>
-                <a:sym typeface="+mn-ea"/>
-              </a:rPr>
-              <a:t>同学的所在点，我们需要重复刚才的方法，</a:t>
-            </a:r>
-            <a:r>
-              <a:rPr lang="zh-CN" altLang="en-US">
-                <a:solidFill>
-                  <a:schemeClr val="tx1">
-                    <a:lumMod val="75000"/>
-                    <a:lumOff val="25000"/>
-                  </a:schemeClr>
-                </a:solidFill>
-                <a:sym typeface="+mn-ea"/>
-              </a:rPr>
-              <a:t>直到到达</a:t>
-            </a:r>
-            <a:r>
-              <a:rPr lang="en-US" altLang="zh-CN" dirty="0">
-                <a:solidFill>
-                  <a:schemeClr val="tx1">
-                    <a:lumMod val="75000"/>
-                    <a:lumOff val="25000"/>
-                  </a:schemeClr>
-                </a:solidFill>
-                <a:sym typeface="+mn-ea"/>
-              </a:rPr>
-              <a:t>A</a:t>
-            </a:r>
-            <a:r>
-              <a:rPr lang="zh-CN" altLang="en-US" dirty="0">
-                <a:solidFill>
-                  <a:schemeClr val="tx1">
-                    <a:lumMod val="75000"/>
-                    <a:lumOff val="25000"/>
-                  </a:schemeClr>
-                </a:solidFill>
-                <a:sym typeface="+mn-ea"/>
-              </a:rPr>
-              <a:t>同学所在点为止。</a:t>
-            </a:r>
-          </a:p>
-          <a:p>
-            <a:pPr algn="l"/>
-            <a:endParaRPr lang="zh-CN" altLang="en-US" dirty="0">
-              <a:solidFill>
-                <a:schemeClr val="tx1">
-                  <a:lumMod val="75000"/>
-                  <a:lumOff val="25000"/>
-                </a:schemeClr>
-              </a:solidFill>
-              <a:sym typeface="+mn-ea"/>
-            </a:endParaRPr>
-          </a:p>
-          <a:p>
-            <a:pPr algn="l"/>
-            <a:endParaRPr lang="zh-CN" altLang="en-US" dirty="0">
-              <a:solidFill>
-                <a:schemeClr val="accent1">
-                  <a:lumMod val="50000"/>
-                </a:schemeClr>
-              </a:solidFill>
-              <a:sym typeface="+mn-ea"/>
-            </a:endParaRPr>
-          </a:p>
-          <a:p>
-            <a:pPr algn="l"/>
-            <a:endParaRPr lang="zh-CN" altLang="en-US" dirty="0">
-              <a:solidFill>
-                <a:schemeClr val="accent1">
-                  <a:lumMod val="50000"/>
-                </a:schemeClr>
-              </a:solidFill>
-              <a:sym typeface="+mn-ea"/>
-            </a:endParaRPr>
-          </a:p>
-          <a:p>
-            <a:pPr algn="l"/>
-            <a:endParaRPr lang="zh-CN" altLang="en-US" dirty="0">
-              <a:solidFill>
-                <a:schemeClr val="accent1">
-                  <a:lumMod val="50000"/>
-                </a:schemeClr>
-              </a:solidFill>
-              <a:sym typeface="+mn-ea"/>
-            </a:endParaRPr>
-          </a:p>
-          <a:p>
-            <a:pPr algn="l"/>
-            <a:endParaRPr lang="zh-CN" altLang="en-US" sz="1600" dirty="0">
-              <a:solidFill>
-                <a:schemeClr val="accent1">
-                  <a:lumMod val="50000"/>
-                </a:schemeClr>
-              </a:solidFill>
-              <a:sym typeface="+mn-ea"/>
-            </a:endParaRPr>
-          </a:p>
-        </p:txBody>
-      </p:sp>
-      <p:pic>
-        <p:nvPicPr>
-          <p:cNvPr id="4" name="图片 3"/>
-          <p:cNvPicPr>
-            <a:picLocks noChangeAspect="1"/>
-          </p:cNvPicPr>
-          <p:nvPr/>
-        </p:nvPicPr>
-        <p:blipFill>
-          <a:blip r:embed="rId2"/>
-          <a:stretch>
-            <a:fillRect/>
-          </a:stretch>
-        </p:blipFill>
-        <p:spPr>
-          <a:xfrm>
-            <a:off x="6737082" y="3060701"/>
-            <a:ext cx="3873500" cy="3467100"/>
-          </a:xfrm>
-          <a:prstGeom prst="rect">
-            <a:avLst/>
-          </a:prstGeom>
-        </p:spPr>
-      </p:pic>
-    </p:spTree>
-  </p:cSld>
-  <p:clrMapOvr>
-    <a:masterClrMapping/>
-  </p:clrMapOvr>
-</p:sld>
-</file>
-
-<file path=ppt/slides/slide22.xml><?xml version="1.0" encoding="utf-8"?>
-<p:sld xmlns:a="http://schemas.openxmlformats.org/drawingml/2006/main" xmlns:r="http://schemas.openxmlformats.org/officeDocument/2006/relationships" xmlns:p="http://schemas.openxmlformats.org/presentationml/2006/main">
-  <p:cSld>
-    <p:spTree>
-      <p:nvGrpSpPr>
-        <p:cNvPr id="1" name=""/>
-        <p:cNvGrpSpPr/>
-        <p:nvPr/>
-      </p:nvGrpSpPr>
-      <p:grpSpPr>
-        <a:xfrm>
-          <a:off x="0" y="0"/>
-          <a:ext cx="0" cy="0"/>
-          <a:chOff x="0" y="0"/>
-          <a:chExt cx="0" cy="0"/>
-        </a:xfrm>
-      </p:grpSpPr>
-      <p:sp>
-        <p:nvSpPr>
-          <p:cNvPr id="12" name="文本框 11">
-            <a:extLst>
-              <a:ext uri="{FF2B5EF4-FFF2-40B4-BE49-F238E27FC236}">
-                <a16:creationId xmlns:a16="http://schemas.microsoft.com/office/drawing/2014/main" id="{23F1409A-0F56-4ED9-9AA7-D2912C154A60}"/>
-              </a:ext>
-            </a:extLst>
-          </p:cNvPr>
-          <p:cNvSpPr txBox="1"/>
-          <p:nvPr/>
-        </p:nvSpPr>
-        <p:spPr>
-          <a:xfrm>
-            <a:off x="678871" y="1000037"/>
-            <a:ext cx="10785765" cy="4893647"/>
-          </a:xfrm>
-          <a:prstGeom prst="rect">
-            <a:avLst/>
-          </a:prstGeom>
-          <a:noFill/>
-        </p:spPr>
-        <p:txBody>
-          <a:bodyPr wrap="square">
-            <a:spAutoFit/>
-          </a:bodyPr>
-          <a:lstStyle/>
-          <a:p>
-            <a:r>
-              <a:rPr lang="zh-CN" altLang="en-US" sz="2400">
-                <a:solidFill>
-                  <a:schemeClr val="tx1">
-                    <a:lumMod val="75000"/>
-                    <a:lumOff val="25000"/>
-                  </a:schemeClr>
-                </a:solidFill>
-              </a:rPr>
-              <a:t>第一行有两个数n，m。n表示迷宫的行，m表示迷宫的列。接下来n行m列为迷宫，0表示空地，1表示障碍物。最后一行4个数，前两个数为迷宫入口的x和y坐标。后两个为小哈的x和y坐标。</a:t>
-            </a:r>
-            <a:endParaRPr lang="en-US" altLang="zh-CN" sz="2400">
-              <a:solidFill>
-                <a:schemeClr val="tx1">
-                  <a:lumMod val="75000"/>
-                  <a:lumOff val="25000"/>
-                </a:schemeClr>
-              </a:solidFill>
-            </a:endParaRPr>
-          </a:p>
-          <a:p>
-            <a:endParaRPr lang="en-US" altLang="zh-CN" sz="2400">
-              <a:solidFill>
-                <a:schemeClr val="tx1">
-                  <a:lumMod val="75000"/>
-                  <a:lumOff val="25000"/>
-                </a:schemeClr>
-              </a:solidFill>
-            </a:endParaRPr>
-          </a:p>
-          <a:p>
-            <a:r>
-              <a:rPr lang="en-US" altLang="zh-CN" sz="2400">
-                <a:solidFill>
-                  <a:schemeClr val="tx1">
-                    <a:lumMod val="75000"/>
-                    <a:lumOff val="25000"/>
-                  </a:schemeClr>
-                </a:solidFill>
-              </a:rPr>
-              <a:t>4 4</a:t>
-            </a:r>
-          </a:p>
-          <a:p>
-            <a:r>
-              <a:rPr lang="en-US" altLang="zh-CN" sz="2400">
-                <a:solidFill>
-                  <a:schemeClr val="tx1">
-                    <a:lumMod val="75000"/>
-                    <a:lumOff val="25000"/>
-                  </a:schemeClr>
-                </a:solidFill>
-              </a:rPr>
-              <a:t>0 0 1 0</a:t>
-            </a:r>
-          </a:p>
-          <a:p>
-            <a:r>
-              <a:rPr lang="en-US" altLang="zh-CN" sz="2400">
-                <a:solidFill>
-                  <a:schemeClr val="tx1">
-                    <a:lumMod val="75000"/>
-                    <a:lumOff val="25000"/>
-                  </a:schemeClr>
-                </a:solidFill>
-              </a:rPr>
-              <a:t>0 0 0 0</a:t>
-            </a:r>
-          </a:p>
-          <a:p>
-            <a:r>
-              <a:rPr lang="en-US" altLang="zh-CN" sz="2400">
-                <a:solidFill>
-                  <a:schemeClr val="tx1">
-                    <a:lumMod val="75000"/>
-                    <a:lumOff val="25000"/>
-                  </a:schemeClr>
-                </a:solidFill>
-              </a:rPr>
-              <a:t>0 0 1 0</a:t>
-            </a:r>
-          </a:p>
-          <a:p>
-            <a:r>
-              <a:rPr lang="en-US" altLang="zh-CN" sz="2400">
-                <a:solidFill>
-                  <a:schemeClr val="tx1">
-                    <a:lumMod val="75000"/>
-                    <a:lumOff val="25000"/>
-                  </a:schemeClr>
-                </a:solidFill>
-              </a:rPr>
-              <a:t>0 1 0 0</a:t>
-            </a:r>
-          </a:p>
-          <a:p>
-            <a:r>
-              <a:rPr lang="en-US" altLang="zh-CN" sz="2400">
-                <a:solidFill>
-                  <a:schemeClr val="tx1">
-                    <a:lumMod val="75000"/>
-                    <a:lumOff val="25000"/>
-                  </a:schemeClr>
-                </a:solidFill>
-              </a:rPr>
-              <a:t>1 1 4 3</a:t>
-            </a:r>
-          </a:p>
-          <a:p>
-            <a:endParaRPr lang="en-US" altLang="zh-CN" sz="2400">
-              <a:solidFill>
-                <a:schemeClr val="tx1">
-                  <a:lumMod val="75000"/>
-                  <a:lumOff val="25000"/>
-                </a:schemeClr>
-              </a:solidFill>
-            </a:endParaRPr>
-          </a:p>
-          <a:p>
-            <a:r>
-              <a:rPr lang="zh-CN" altLang="en-US" sz="2400">
-                <a:solidFill>
-                  <a:schemeClr val="tx1">
-                    <a:lumMod val="75000"/>
-                    <a:lumOff val="25000"/>
-                  </a:schemeClr>
-                </a:solidFill>
-              </a:rPr>
-              <a:t>运行结果</a:t>
-            </a:r>
-            <a:endParaRPr lang="en-US" altLang="zh-CN" sz="2400">
-              <a:solidFill>
-                <a:schemeClr val="tx1">
-                  <a:lumMod val="75000"/>
-                  <a:lumOff val="25000"/>
-                </a:schemeClr>
-              </a:solidFill>
-            </a:endParaRPr>
-          </a:p>
-          <a:p>
-            <a:r>
-              <a:rPr lang="en-US" altLang="zh-CN" sz="2400">
-                <a:solidFill>
-                  <a:schemeClr val="tx1">
-                    <a:lumMod val="75000"/>
-                    <a:lumOff val="25000"/>
-                  </a:schemeClr>
-                </a:solidFill>
-              </a:rPr>
-              <a:t>7</a:t>
-            </a:r>
-            <a:endParaRPr lang="zh-CN" altLang="en-US" sz="2400">
-              <a:solidFill>
-                <a:schemeClr val="tx1">
-                  <a:lumMod val="75000"/>
-                  <a:lumOff val="25000"/>
-                </a:schemeClr>
-              </a:solidFill>
-            </a:endParaRPr>
-          </a:p>
-        </p:txBody>
-      </p:sp>
-    </p:spTree>
   </p:cSld>
   <p:clrMapOvr>
     <a:masterClrMapping/>
